--- a/ProximityEffects.pptx
+++ b/ProximityEffects.pptx
@@ -5,10 +5,10 @@
     <p:sldMasterId id="2147483653" r:id="rId1"/>
   </p:sldMasterIdLst>
   <p:notesMasterIdLst>
-    <p:notesMasterId r:id="rId29"/>
+    <p:notesMasterId r:id="rId30"/>
   </p:notesMasterIdLst>
   <p:handoutMasterIdLst>
-    <p:handoutMasterId r:id="rId30"/>
+    <p:handoutMasterId r:id="rId31"/>
   </p:handoutMasterIdLst>
   <p:sldIdLst>
     <p:sldId id="256" r:id="rId2"/>
@@ -23,21 +23,22 @@
     <p:sldId id="272" r:id="rId11"/>
     <p:sldId id="273" r:id="rId12"/>
     <p:sldId id="274" r:id="rId13"/>
-    <p:sldId id="288" r:id="rId14"/>
-    <p:sldId id="275" r:id="rId15"/>
-    <p:sldId id="276" r:id="rId16"/>
-    <p:sldId id="293" r:id="rId17"/>
-    <p:sldId id="277" r:id="rId18"/>
-    <p:sldId id="278" r:id="rId19"/>
-    <p:sldId id="279" r:id="rId20"/>
-    <p:sldId id="280" r:id="rId21"/>
-    <p:sldId id="281" r:id="rId22"/>
-    <p:sldId id="282" r:id="rId23"/>
-    <p:sldId id="283" r:id="rId24"/>
-    <p:sldId id="294" r:id="rId25"/>
-    <p:sldId id="295" r:id="rId26"/>
-    <p:sldId id="296" r:id="rId27"/>
-    <p:sldId id="261" r:id="rId28"/>
+    <p:sldId id="297" r:id="rId14"/>
+    <p:sldId id="288" r:id="rId15"/>
+    <p:sldId id="275" r:id="rId16"/>
+    <p:sldId id="276" r:id="rId17"/>
+    <p:sldId id="293" r:id="rId18"/>
+    <p:sldId id="277" r:id="rId19"/>
+    <p:sldId id="278" r:id="rId20"/>
+    <p:sldId id="279" r:id="rId21"/>
+    <p:sldId id="280" r:id="rId22"/>
+    <p:sldId id="281" r:id="rId23"/>
+    <p:sldId id="282" r:id="rId24"/>
+    <p:sldId id="283" r:id="rId25"/>
+    <p:sldId id="294" r:id="rId26"/>
+    <p:sldId id="295" r:id="rId27"/>
+    <p:sldId id="296" r:id="rId28"/>
+    <p:sldId id="261" r:id="rId29"/>
   </p:sldIdLst>
   <p:sldSz cx="12192000" cy="6858000"/>
   <p:notesSz cx="6858000" cy="9144000"/>
@@ -391,7 +392,7 @@
           <a:p>
             <a:fld id="{4C3797C4-ED8E-4EA4-959C-2AEEE7E3AD08}" type="datetimeFigureOut">
               <a:rPr lang="de-DE" smtClean="0"/>
-              <a:t>21.02.2025</a:t>
+              <a:t>23.02.2025</a:t>
             </a:fld>
             <a:endParaRPr lang="de-DE" dirty="0"/>
           </a:p>
@@ -556,7 +557,7 @@
           <a:p>
             <a:fld id="{44B5C22D-DB44-4084-9471-0EB64DB204F9}" type="datetimeFigureOut">
               <a:rPr lang="de-DE" smtClean="0"/>
-              <a:t>21.02.2025</a:t>
+              <a:t>23.02.2025</a:t>
             </a:fld>
             <a:endParaRPr lang="de-DE" dirty="0"/>
           </a:p>
@@ -11545,6 +11546,334 @@
 </file>
 
 <file path=ppt/slides/slide13.xml><?xml version="1.0" encoding="utf-8"?>
+<p:sld xmlns:a="http://schemas.openxmlformats.org/drawingml/2006/main" xmlns:r="http://schemas.openxmlformats.org/officeDocument/2006/relationships" xmlns:p="http://schemas.openxmlformats.org/presentationml/2006/main" show="0">
+  <p:cSld>
+    <p:spTree>
+      <p:nvGrpSpPr>
+        <p:cNvPr id="1" name=""/>
+        <p:cNvGrpSpPr/>
+        <p:nvPr/>
+      </p:nvGrpSpPr>
+      <p:grpSpPr>
+        <a:xfrm>
+          <a:off x="0" y="0"/>
+          <a:ext cx="0" cy="0"/>
+          <a:chOff x="0" y="0"/>
+          <a:chExt cx="0" cy="0"/>
+        </a:xfrm>
+      </p:grpSpPr>
+      <p:sp>
+        <p:nvSpPr>
+          <p:cNvPr id="2" name="Titre 1">
+            <a:extLst>
+              <a:ext uri="{FF2B5EF4-FFF2-40B4-BE49-F238E27FC236}">
+                <a16:creationId xmlns:a16="http://schemas.microsoft.com/office/drawing/2014/main" id="{0ACC86C6-1233-907B-005D-37BBCCCF4907}"/>
+              </a:ext>
+            </a:extLst>
+          </p:cNvPr>
+          <p:cNvSpPr>
+            <a:spLocks noGrp="1"/>
+          </p:cNvSpPr>
+          <p:nvPr>
+            <p:ph type="title"/>
+          </p:nvPr>
+        </p:nvSpPr>
+        <p:spPr/>
+        <p:txBody>
+          <a:bodyPr/>
+          <a:lstStyle/>
+          <a:p>
+            <a:r>
+              <a:rPr lang="en-GB" dirty="0"/>
+              <a:t>The utility of quasiparticles</a:t>
+            </a:r>
+          </a:p>
+        </p:txBody>
+      </p:sp>
+      <p:sp>
+        <p:nvSpPr>
+          <p:cNvPr id="3" name="Espace réservé du contenu 2">
+            <a:extLst>
+              <a:ext uri="{FF2B5EF4-FFF2-40B4-BE49-F238E27FC236}">
+                <a16:creationId xmlns:a16="http://schemas.microsoft.com/office/drawing/2014/main" id="{617C8844-3747-18EE-1979-839576F111BB}"/>
+              </a:ext>
+            </a:extLst>
+          </p:cNvPr>
+          <p:cNvSpPr>
+            <a:spLocks noGrp="1"/>
+          </p:cNvSpPr>
+          <p:nvPr>
+            <p:ph idx="1"/>
+          </p:nvPr>
+        </p:nvSpPr>
+        <p:spPr>
+          <a:xfrm>
+            <a:off x="432215" y="1700808"/>
+            <a:ext cx="4944120" cy="4103985"/>
+          </a:xfrm>
+        </p:spPr>
+        <p:txBody>
+          <a:bodyPr/>
+          <a:lstStyle/>
+          <a:p>
+            <a:r>
+              <a:rPr lang="en-GB" dirty="0"/>
+              <a:t>System excitations that arise when multiple fermions interact.</a:t>
+            </a:r>
+          </a:p>
+          <a:p>
+            <a:r>
+              <a:rPr lang="en-GB" dirty="0"/>
+              <a:t>Not fundamental particle of the system.</a:t>
+            </a:r>
+          </a:p>
+          <a:p>
+            <a:r>
+              <a:rPr lang="en-GB" dirty="0"/>
+              <a:t>Describe for ex. in a Cooper-pair, the excitation above the gap.</a:t>
+            </a:r>
+          </a:p>
+          <a:p>
+            <a:endParaRPr lang="en-GB" dirty="0"/>
+          </a:p>
+          <a:p>
+            <a:r>
+              <a:rPr lang="en-GB" dirty="0"/>
+              <a:t>Whereas the Hamiltonian is not diagonal in term of the original fermionic operators, the </a:t>
+            </a:r>
+            <a:r>
+              <a:rPr lang="en-GB" dirty="0" err="1"/>
+              <a:t>Bogoliubov</a:t>
+            </a:r>
+            <a:r>
+              <a:rPr lang="en-GB" dirty="0"/>
+              <a:t> quasiparticle operators can give a solution. </a:t>
+            </a:r>
+          </a:p>
+          <a:p>
+            <a:endParaRPr lang="en-GB" dirty="0"/>
+          </a:p>
+          <a:p>
+            <a:r>
+              <a:rPr lang="en-GB" dirty="0"/>
+              <a:t>These are linear combination of particle and hole operators: quasiparticles are superposition of particle and holes because of the interactions.</a:t>
+            </a:r>
+          </a:p>
+          <a:p>
+            <a:endParaRPr lang="en-GB" dirty="0"/>
+          </a:p>
+        </p:txBody>
+      </p:sp>
+      <p:sp>
+        <p:nvSpPr>
+          <p:cNvPr id="4" name="Espace réservé du pied de page 3">
+            <a:extLst>
+              <a:ext uri="{FF2B5EF4-FFF2-40B4-BE49-F238E27FC236}">
+                <a16:creationId xmlns:a16="http://schemas.microsoft.com/office/drawing/2014/main" id="{144289A6-9EE2-5670-D8BB-8BD70ECBC1AB}"/>
+              </a:ext>
+            </a:extLst>
+          </p:cNvPr>
+          <p:cNvSpPr>
+            <a:spLocks noGrp="1"/>
+          </p:cNvSpPr>
+          <p:nvPr>
+            <p:ph type="ftr" sz="quarter" idx="3"/>
+          </p:nvPr>
+        </p:nvSpPr>
+        <p:spPr/>
+        <p:txBody>
+          <a:bodyPr/>
+          <a:lstStyle/>
+          <a:p>
+            <a:r>
+              <a:rPr lang="en-US"/>
+              <a:t>Proximity Effects in Altermagnetic Systems</a:t>
+            </a:r>
+            <a:endParaRPr lang="de-DE" dirty="0"/>
+          </a:p>
+        </p:txBody>
+      </p:sp>
+      <p:sp>
+        <p:nvSpPr>
+          <p:cNvPr id="5" name="Espace réservé du numéro de diapositive 4">
+            <a:extLst>
+              <a:ext uri="{FF2B5EF4-FFF2-40B4-BE49-F238E27FC236}">
+                <a16:creationId xmlns:a16="http://schemas.microsoft.com/office/drawing/2014/main" id="{FCDCE20B-DEEE-FA79-6F3C-77531DFBECFD}"/>
+              </a:ext>
+            </a:extLst>
+          </p:cNvPr>
+          <p:cNvSpPr>
+            <a:spLocks noGrp="1"/>
+          </p:cNvSpPr>
+          <p:nvPr>
+            <p:ph type="sldNum" sz="quarter" idx="4"/>
+          </p:nvPr>
+        </p:nvSpPr>
+        <p:spPr/>
+        <p:txBody>
+          <a:bodyPr/>
+          <a:lstStyle/>
+          <a:p>
+            <a:fld id="{C05EE493-AD2E-4872-B2F6-8F12A747F0A5}" type="slidenum">
+              <a:rPr lang="de-DE" smtClean="0"/>
+              <a:pPr/>
+              <a:t>13</a:t>
+            </a:fld>
+            <a:endParaRPr lang="de-DE" dirty="0"/>
+          </a:p>
+        </p:txBody>
+      </p:sp>
+      <p:sp>
+        <p:nvSpPr>
+          <p:cNvPr id="6" name="Espace réservé de la date 5">
+            <a:extLst>
+              <a:ext uri="{FF2B5EF4-FFF2-40B4-BE49-F238E27FC236}">
+                <a16:creationId xmlns:a16="http://schemas.microsoft.com/office/drawing/2014/main" id="{7A54DD8F-AE23-7C3D-8F2E-BC6FC3BB7B67}"/>
+              </a:ext>
+            </a:extLst>
+          </p:cNvPr>
+          <p:cNvSpPr>
+            <a:spLocks noGrp="1"/>
+          </p:cNvSpPr>
+          <p:nvPr>
+            <p:ph type="dt" sz="half" idx="2"/>
+          </p:nvPr>
+        </p:nvSpPr>
+        <p:spPr/>
+        <p:txBody>
+          <a:bodyPr/>
+          <a:lstStyle/>
+          <a:p>
+            <a:r>
+              <a:rPr lang="fr-FR"/>
+              <a:t>24.02.2025</a:t>
+            </a:r>
+            <a:endParaRPr lang="de-DE" dirty="0"/>
+          </a:p>
+        </p:txBody>
+      </p:sp>
+      <p:pic>
+        <p:nvPicPr>
+          <p:cNvPr id="7" name="Image 6">
+            <a:extLst>
+              <a:ext uri="{FF2B5EF4-FFF2-40B4-BE49-F238E27FC236}">
+                <a16:creationId xmlns:a16="http://schemas.microsoft.com/office/drawing/2014/main" id="{A243BFDF-E6C4-F260-F800-22B3BB86CCFF}"/>
+              </a:ext>
+            </a:extLst>
+          </p:cNvPr>
+          <p:cNvPicPr>
+            <a:picLocks noChangeAspect="1"/>
+          </p:cNvPicPr>
+          <p:nvPr/>
+        </p:nvPicPr>
+        <p:blipFill>
+          <a:blip r:embed="rId2"/>
+          <a:stretch>
+            <a:fillRect/>
+          </a:stretch>
+        </p:blipFill>
+        <p:spPr>
+          <a:xfrm>
+            <a:off x="7608168" y="3369302"/>
+            <a:ext cx="2254116" cy="383498"/>
+          </a:xfrm>
+          <a:prstGeom prst="rect">
+            <a:avLst/>
+          </a:prstGeom>
+        </p:spPr>
+      </p:pic>
+    </p:spTree>
+    <p:extLst>
+      <p:ext uri="{BB962C8B-B14F-4D97-AF65-F5344CB8AC3E}">
+        <p14:creationId xmlns:p14="http://schemas.microsoft.com/office/powerpoint/2010/main" val="2087399556"/>
+      </p:ext>
+    </p:extLst>
+  </p:cSld>
+  <p:clrMapOvr>
+    <a:masterClrMapping/>
+  </p:clrMapOvr>
+  <p:timing>
+    <p:tnLst>
+      <p:par>
+        <p:cTn id="1" dur="indefinite" restart="never" nodeType="tmRoot">
+          <p:childTnLst>
+            <p:seq concurrent="1" nextAc="seek">
+              <p:cTn id="2" dur="indefinite" nodeType="mainSeq">
+                <p:childTnLst>
+                  <p:par>
+                    <p:cTn id="3" fill="hold">
+                      <p:stCondLst>
+                        <p:cond delay="indefinite"/>
+                        <p:cond evt="onBegin" delay="0">
+                          <p:tn val="2"/>
+                        </p:cond>
+                      </p:stCondLst>
+                      <p:childTnLst>
+                        <p:par>
+                          <p:cTn id="4" fill="hold">
+                            <p:stCondLst>
+                              <p:cond delay="0"/>
+                            </p:stCondLst>
+                            <p:childTnLst>
+                              <p:par>
+                                <p:cTn id="5" presetID="1" presetClass="entr" presetSubtype="0" fill="hold" nodeType="withEffect">
+                                  <p:stCondLst>
+                                    <p:cond delay="0"/>
+                                  </p:stCondLst>
+                                  <p:childTnLst>
+                                    <p:set>
+                                      <p:cBhvr>
+                                        <p:cTn id="6" dur="1" fill="hold">
+                                          <p:stCondLst>
+                                            <p:cond delay="0"/>
+                                          </p:stCondLst>
+                                        </p:cTn>
+                                        <p:tgtEl>
+                                          <p:spTgt spid="7"/>
+                                        </p:tgtEl>
+                                        <p:attrNameLst>
+                                          <p:attrName>style.visibility</p:attrName>
+                                        </p:attrNameLst>
+                                      </p:cBhvr>
+                                      <p:to>
+                                        <p:strVal val="visible"/>
+                                      </p:to>
+                                    </p:set>
+                                  </p:childTnLst>
+                                </p:cTn>
+                              </p:par>
+                            </p:childTnLst>
+                          </p:cTn>
+                        </p:par>
+                      </p:childTnLst>
+                    </p:cTn>
+                  </p:par>
+                </p:childTnLst>
+              </p:cTn>
+              <p:prevCondLst>
+                <p:cond evt="onPrev" delay="0">
+                  <p:tgtEl>
+                    <p:sldTgt/>
+                  </p:tgtEl>
+                </p:cond>
+              </p:prevCondLst>
+              <p:nextCondLst>
+                <p:cond evt="onNext" delay="0">
+                  <p:tgtEl>
+                    <p:sldTgt/>
+                  </p:tgtEl>
+                </p:cond>
+              </p:nextCondLst>
+            </p:seq>
+          </p:childTnLst>
+        </p:cTn>
+      </p:par>
+    </p:tnLst>
+  </p:timing>
+</p:sld>
+</file>
+
+<file path=ppt/slides/slide14.xml><?xml version="1.0" encoding="utf-8"?>
 <p:sld xmlns:a="http://schemas.openxmlformats.org/drawingml/2006/main" xmlns:r="http://schemas.openxmlformats.org/officeDocument/2006/relationships" xmlns:p="http://schemas.openxmlformats.org/presentationml/2006/main">
   <p:cSld>
     <p:spTree>
@@ -11649,7 +11978,7 @@
             <a:fld id="{C05EE493-AD2E-4872-B2F6-8F12A747F0A5}" type="slidenum">
               <a:rPr lang="en-GB" noProof="0" smtClean="0"/>
               <a:pPr/>
-              <a:t>13</a:t>
+              <a:t>14</a:t>
             </a:fld>
             <a:endParaRPr lang="en-GB" noProof="0" dirty="0"/>
           </a:p>
@@ -14042,7 +14371,7 @@
 </p:sld>
 </file>
 
-<file path=ppt/slides/slide14.xml><?xml version="1.0" encoding="utf-8"?>
+<file path=ppt/slides/slide15.xml><?xml version="1.0" encoding="utf-8"?>
 <p:sld xmlns:a="http://schemas.openxmlformats.org/drawingml/2006/main" xmlns:r="http://schemas.openxmlformats.org/officeDocument/2006/relationships" xmlns:p="http://schemas.openxmlformats.org/presentationml/2006/main">
   <p:cSld>
     <p:spTree>
@@ -14119,7 +14448,7 @@
             <a:fld id="{C05EE493-AD2E-4872-B2F6-8F12A747F0A5}" type="slidenum">
               <a:rPr lang="en-GB" noProof="0" smtClean="0"/>
               <a:pPr/>
-              <a:t>14</a:t>
+              <a:t>15</a:t>
             </a:fld>
             <a:endParaRPr lang="en-GB" noProof="0" dirty="0"/>
           </a:p>
@@ -16384,7 +16713,7 @@
 </p:sld>
 </file>
 
-<file path=ppt/slides/slide15.xml><?xml version="1.0" encoding="utf-8"?>
+<file path=ppt/slides/slide16.xml><?xml version="1.0" encoding="utf-8"?>
 <p:sld xmlns:a="http://schemas.openxmlformats.org/drawingml/2006/main" xmlns:r="http://schemas.openxmlformats.org/officeDocument/2006/relationships" xmlns:p="http://schemas.openxmlformats.org/presentationml/2006/main">
   <p:cSld>
     <p:spTree>
@@ -16489,7 +16818,7 @@
             <a:fld id="{C05EE493-AD2E-4872-B2F6-8F12A747F0A5}" type="slidenum">
               <a:rPr lang="en-GB" noProof="0" smtClean="0"/>
               <a:pPr/>
-              <a:t>15</a:t>
+              <a:t>16</a:t>
             </a:fld>
             <a:endParaRPr lang="en-GB" noProof="0" dirty="0"/>
           </a:p>
@@ -16978,7 +17307,7 @@
 </p:sld>
 </file>
 
-<file path=ppt/slides/slide16.xml><?xml version="1.0" encoding="utf-8"?>
+<file path=ppt/slides/slide17.xml><?xml version="1.0" encoding="utf-8"?>
 <p:sld xmlns:a="http://schemas.openxmlformats.org/drawingml/2006/main" xmlns:r="http://schemas.openxmlformats.org/officeDocument/2006/relationships" xmlns:p="http://schemas.openxmlformats.org/presentationml/2006/main">
   <p:cSld>
     <p:spTree>
@@ -17084,7 +17413,7 @@
             <a:fld id="{C05EE493-AD2E-4872-B2F6-8F12A747F0A5}" type="slidenum">
               <a:rPr lang="en-GB" noProof="0" smtClean="0"/>
               <a:pPr/>
-              <a:t>16</a:t>
+              <a:t>17</a:t>
             </a:fld>
             <a:endParaRPr lang="en-GB" noProof="0" dirty="0"/>
           </a:p>
@@ -18478,7 +18807,7 @@
 </p:sld>
 </file>
 
-<file path=ppt/slides/slide17.xml><?xml version="1.0" encoding="utf-8"?>
+<file path=ppt/slides/slide18.xml><?xml version="1.0" encoding="utf-8"?>
 <p:sld xmlns:a="http://schemas.openxmlformats.org/drawingml/2006/main" xmlns:r="http://schemas.openxmlformats.org/officeDocument/2006/relationships" xmlns:p="http://schemas.openxmlformats.org/presentationml/2006/main">
   <p:cSld>
     <p:spTree>
@@ -18555,7 +18884,7 @@
             <a:fld id="{C05EE493-AD2E-4872-B2F6-8F12A747F0A5}" type="slidenum">
               <a:rPr lang="en-GB" noProof="0" smtClean="0"/>
               <a:pPr/>
-              <a:t>17</a:t>
+              <a:t>18</a:t>
             </a:fld>
             <a:endParaRPr lang="en-GB" noProof="0" dirty="0"/>
           </a:p>
@@ -19351,7 +19680,7 @@
 </p:sld>
 </file>
 
-<file path=ppt/slides/slide18.xml><?xml version="1.0" encoding="utf-8"?>
+<file path=ppt/slides/slide19.xml><?xml version="1.0" encoding="utf-8"?>
 <p:sld xmlns:a="http://schemas.openxmlformats.org/drawingml/2006/main" xmlns:r="http://schemas.openxmlformats.org/officeDocument/2006/relationships" xmlns:p="http://schemas.openxmlformats.org/presentationml/2006/main">
   <p:cSld>
     <p:spTree>
@@ -19434,7 +19763,7 @@
             <a:fld id="{C05EE493-AD2E-4872-B2F6-8F12A747F0A5}" type="slidenum">
               <a:rPr lang="en-GB" noProof="0" smtClean="0"/>
               <a:pPr/>
-              <a:t>18</a:t>
+              <a:t>19</a:t>
             </a:fld>
             <a:endParaRPr lang="en-GB" noProof="0" dirty="0"/>
           </a:p>
@@ -19694,763 +20023,6 @@
     <p:extLst>
       <p:ext uri="{BB962C8B-B14F-4D97-AF65-F5344CB8AC3E}">
         <p14:creationId xmlns:p14="http://schemas.microsoft.com/office/powerpoint/2010/main" val="2324598683"/>
-      </p:ext>
-    </p:extLst>
-  </p:cSld>
-  <p:clrMapOvr>
-    <a:masterClrMapping/>
-  </p:clrMapOvr>
-</p:sld>
-</file>
-
-<file path=ppt/slides/slide19.xml><?xml version="1.0" encoding="utf-8"?>
-<p:sld xmlns:a="http://schemas.openxmlformats.org/drawingml/2006/main" xmlns:r="http://schemas.openxmlformats.org/officeDocument/2006/relationships" xmlns:p="http://schemas.openxmlformats.org/presentationml/2006/main">
-  <p:cSld>
-    <p:spTree>
-      <p:nvGrpSpPr>
-        <p:cNvPr id="1" name=""/>
-        <p:cNvGrpSpPr/>
-        <p:nvPr/>
-      </p:nvGrpSpPr>
-      <p:grpSpPr>
-        <a:xfrm>
-          <a:off x="0" y="0"/>
-          <a:ext cx="0" cy="0"/>
-          <a:chOff x="0" y="0"/>
-          <a:chExt cx="0" cy="0"/>
-        </a:xfrm>
-      </p:grpSpPr>
-      <p:sp>
-        <p:nvSpPr>
-          <p:cNvPr id="2" name="Titre 1">
-            <a:extLst>
-              <a:ext uri="{FF2B5EF4-FFF2-40B4-BE49-F238E27FC236}">
-                <a16:creationId xmlns:a16="http://schemas.microsoft.com/office/drawing/2014/main" id="{7F96E2D7-1101-4537-84E4-83A2AF96F9D4}"/>
-              </a:ext>
-            </a:extLst>
-          </p:cNvPr>
-          <p:cNvSpPr>
-            <a:spLocks noGrp="1"/>
-          </p:cNvSpPr>
-          <p:nvPr>
-            <p:ph type="title"/>
-          </p:nvPr>
-        </p:nvSpPr>
-        <p:spPr/>
-        <p:txBody>
-          <a:bodyPr/>
-          <a:lstStyle/>
-          <a:p>
-            <a:r>
-              <a:rPr lang="en-GB" noProof="0" dirty="0"/>
-              <a:t>Results</a:t>
-            </a:r>
-          </a:p>
-        </p:txBody>
-      </p:sp>
-      <p:sp>
-        <p:nvSpPr>
-          <p:cNvPr id="4" name="Espace réservé du pied de page 3">
-            <a:extLst>
-              <a:ext uri="{FF2B5EF4-FFF2-40B4-BE49-F238E27FC236}">
-                <a16:creationId xmlns:a16="http://schemas.microsoft.com/office/drawing/2014/main" id="{F1204C94-B014-9291-48F0-E16C8043592A}"/>
-              </a:ext>
-            </a:extLst>
-          </p:cNvPr>
-          <p:cNvSpPr>
-            <a:spLocks noGrp="1"/>
-          </p:cNvSpPr>
-          <p:nvPr>
-            <p:ph type="ftr" sz="quarter" idx="3"/>
-          </p:nvPr>
-        </p:nvSpPr>
-        <p:spPr/>
-        <p:txBody>
-          <a:bodyPr/>
-          <a:lstStyle/>
-          <a:p>
-            <a:r>
-              <a:rPr lang="en-GB" noProof="0" dirty="0"/>
-              <a:t>Proximity Effects in </a:t>
-            </a:r>
-            <a:r>
-              <a:rPr lang="en-GB" noProof="0" dirty="0" err="1"/>
-              <a:t>Altermagnetic</a:t>
-            </a:r>
-            <a:r>
-              <a:rPr lang="en-GB" noProof="0" dirty="0"/>
-              <a:t> Systems</a:t>
-            </a:r>
-          </a:p>
-        </p:txBody>
-      </p:sp>
-      <p:sp>
-        <p:nvSpPr>
-          <p:cNvPr id="5" name="Espace réservé du numéro de diapositive 4">
-            <a:extLst>
-              <a:ext uri="{FF2B5EF4-FFF2-40B4-BE49-F238E27FC236}">
-                <a16:creationId xmlns:a16="http://schemas.microsoft.com/office/drawing/2014/main" id="{F3C4A567-205A-1D66-0AE0-6839E0BD122E}"/>
-              </a:ext>
-            </a:extLst>
-          </p:cNvPr>
-          <p:cNvSpPr>
-            <a:spLocks noGrp="1"/>
-          </p:cNvSpPr>
-          <p:nvPr>
-            <p:ph type="sldNum" sz="quarter" idx="4"/>
-          </p:nvPr>
-        </p:nvSpPr>
-        <p:spPr/>
-        <p:txBody>
-          <a:bodyPr/>
-          <a:lstStyle/>
-          <a:p>
-            <a:fld id="{C05EE493-AD2E-4872-B2F6-8F12A747F0A5}" type="slidenum">
-              <a:rPr lang="en-GB" noProof="0" smtClean="0"/>
-              <a:pPr/>
-              <a:t>19</a:t>
-            </a:fld>
-            <a:endParaRPr lang="en-GB" noProof="0" dirty="0"/>
-          </a:p>
-        </p:txBody>
-      </p:sp>
-      <p:sp>
-        <p:nvSpPr>
-          <p:cNvPr id="6" name="Espace réservé de la date 5">
-            <a:extLst>
-              <a:ext uri="{FF2B5EF4-FFF2-40B4-BE49-F238E27FC236}">
-                <a16:creationId xmlns:a16="http://schemas.microsoft.com/office/drawing/2014/main" id="{5FF4CFDB-4A7A-E7B5-33C2-A9AFF371E1AD}"/>
-              </a:ext>
-            </a:extLst>
-          </p:cNvPr>
-          <p:cNvSpPr>
-            <a:spLocks noGrp="1"/>
-          </p:cNvSpPr>
-          <p:nvPr>
-            <p:ph type="dt" sz="half" idx="2"/>
-          </p:nvPr>
-        </p:nvSpPr>
-        <p:spPr/>
-        <p:txBody>
-          <a:bodyPr/>
-          <a:lstStyle/>
-          <a:p>
-            <a:r>
-              <a:rPr lang="en-GB" noProof="0" dirty="0"/>
-              <a:t>24.02.2025</a:t>
-            </a:r>
-          </a:p>
-        </p:txBody>
-      </p:sp>
-      <p:sp>
-        <p:nvSpPr>
-          <p:cNvPr id="7" name="ZoneTexte 6">
-            <a:extLst>
-              <a:ext uri="{FF2B5EF4-FFF2-40B4-BE49-F238E27FC236}">
-                <a16:creationId xmlns:a16="http://schemas.microsoft.com/office/drawing/2014/main" id="{BECD3CFA-8BC8-AC3C-0B50-7C7CDEBED0A0}"/>
-              </a:ext>
-            </a:extLst>
-          </p:cNvPr>
-          <p:cNvSpPr txBox="1"/>
-          <p:nvPr/>
-        </p:nvSpPr>
-        <p:spPr>
-          <a:xfrm>
-            <a:off x="335360" y="758445"/>
-            <a:ext cx="6024236" cy="338554"/>
-          </a:xfrm>
-          <a:prstGeom prst="rect">
-            <a:avLst/>
-          </a:prstGeom>
-          <a:noFill/>
-        </p:spPr>
-        <p:txBody>
-          <a:bodyPr wrap="square" rtlCol="0">
-            <a:spAutoFit/>
-          </a:bodyPr>
-          <a:lstStyle/>
-          <a:p>
-            <a:r>
-              <a:rPr lang="en-GB" sz="1600" b="1" noProof="0" dirty="0">
-                <a:latin typeface="+mj-lt"/>
-              </a:rPr>
-              <a:t>Heterostructure: SC-AM and diagonal interface</a:t>
-            </a:r>
-          </a:p>
-        </p:txBody>
-      </p:sp>
-      <p:pic>
-        <p:nvPicPr>
-          <p:cNvPr id="9" name="Image 8">
-            <a:extLst>
-              <a:ext uri="{FF2B5EF4-FFF2-40B4-BE49-F238E27FC236}">
-                <a16:creationId xmlns:a16="http://schemas.microsoft.com/office/drawing/2014/main" id="{8F02A527-A530-78A9-3247-6D16B62CAC74}"/>
-              </a:ext>
-            </a:extLst>
-          </p:cNvPr>
-          <p:cNvPicPr>
-            <a:picLocks noChangeAspect="1"/>
-          </p:cNvPicPr>
-          <p:nvPr/>
-        </p:nvPicPr>
-        <p:blipFill>
-          <a:blip r:embed="rId2"/>
-          <a:stretch>
-            <a:fillRect/>
-          </a:stretch>
-        </p:blipFill>
-        <p:spPr>
-          <a:xfrm>
-            <a:off x="335360" y="1052736"/>
-            <a:ext cx="5477045" cy="2469683"/>
-          </a:xfrm>
-          <a:prstGeom prst="rect">
-            <a:avLst/>
-          </a:prstGeom>
-        </p:spPr>
-      </p:pic>
-      <mc:AlternateContent xmlns:mc="http://schemas.openxmlformats.org/markup-compatibility/2006" xmlns:a14="http://schemas.microsoft.com/office/drawing/2010/main">
-        <mc:Choice Requires="a14">
-          <p:sp>
-            <p:nvSpPr>
-              <p:cNvPr id="10" name="ZoneTexte 9">
-                <a:extLst>
-                  <a:ext uri="{FF2B5EF4-FFF2-40B4-BE49-F238E27FC236}">
-                    <a16:creationId xmlns:a16="http://schemas.microsoft.com/office/drawing/2014/main" id="{0D2E6336-6379-083F-CDAE-98417AEFA767}"/>
-                  </a:ext>
-                </a:extLst>
-              </p:cNvPr>
-              <p:cNvSpPr txBox="1"/>
-              <p:nvPr/>
-            </p:nvSpPr>
-            <p:spPr>
-              <a:xfrm>
-                <a:off x="1343472" y="3501008"/>
-                <a:ext cx="3672408" cy="369332"/>
-              </a:xfrm>
-              <a:prstGeom prst="rect">
-                <a:avLst/>
-              </a:prstGeom>
-              <a:noFill/>
-            </p:spPr>
-            <p:txBody>
-              <a:bodyPr wrap="square" rtlCol="0">
-                <a:spAutoFit/>
-              </a:bodyPr>
-              <a:lstStyle/>
-              <a:p>
-                <a:pPr/>
-                <a14:m>
-                  <m:oMathPara xmlns:m="http://schemas.openxmlformats.org/officeDocument/2006/math">
-                    <m:oMathParaPr>
-                      <m:jc m:val="centerGroup"/>
-                    </m:oMathParaPr>
-                    <m:oMath xmlns:m="http://schemas.openxmlformats.org/officeDocument/2006/math">
-                      <m:r>
-                        <a:rPr lang="en-GB" i="1" noProof="0" smtClean="0">
-                          <a:latin typeface="Cambria Math" panose="02040503050406030204" pitchFamily="18" charset="0"/>
-                          <a:ea typeface="Cambria Math" panose="02040503050406030204" pitchFamily="18" charset="0"/>
-                        </a:rPr>
-                        <m:t>𝜇</m:t>
-                      </m:r>
-                      <m:r>
-                        <a:rPr lang="en-GB" b="0" i="1" noProof="0" smtClean="0">
-                          <a:latin typeface="Cambria Math" panose="02040503050406030204" pitchFamily="18" charset="0"/>
-                          <a:ea typeface="Cambria Math" panose="02040503050406030204" pitchFamily="18" charset="0"/>
-                        </a:rPr>
-                        <m:t>=</m:t>
-                      </m:r>
-                      <m:r>
-                        <a:rPr lang="en-GB" i="1" noProof="0" smtClean="0">
-                          <a:latin typeface="Cambria Math" panose="02040503050406030204" pitchFamily="18" charset="0"/>
-                        </a:rPr>
-                        <m:t>−2.5</m:t>
-                      </m:r>
-                    </m:oMath>
-                  </m:oMathPara>
-                </a14:m>
-                <a:endParaRPr lang="en-GB" noProof="0" dirty="0"/>
-              </a:p>
-            </p:txBody>
-          </p:sp>
-        </mc:Choice>
-        <mc:Fallback xmlns="">
-          <p:sp>
-            <p:nvSpPr>
-              <p:cNvPr id="10" name="ZoneTexte 9">
-                <a:extLst>
-                  <a:ext uri="{FF2B5EF4-FFF2-40B4-BE49-F238E27FC236}">
-                    <a16:creationId xmlns:a16="http://schemas.microsoft.com/office/drawing/2014/main" id="{0D2E6336-6379-083F-CDAE-98417AEFA767}"/>
-                  </a:ext>
-                </a:extLst>
-              </p:cNvPr>
-              <p:cNvSpPr txBox="1">
-                <a:spLocks noRot="1" noChangeAspect="1" noMove="1" noResize="1" noEditPoints="1" noAdjustHandles="1" noChangeArrowheads="1" noChangeShapeType="1" noTextEdit="1"/>
-              </p:cNvSpPr>
-              <p:nvPr/>
-            </p:nvSpPr>
-            <p:spPr>
-              <a:xfrm>
-                <a:off x="1343472" y="3501008"/>
-                <a:ext cx="3672408" cy="369332"/>
-              </a:xfrm>
-              <a:prstGeom prst="rect">
-                <a:avLst/>
-              </a:prstGeom>
-              <a:blipFill>
-                <a:blip r:embed="rId3"/>
-                <a:stretch>
-                  <a:fillRect b="-4918"/>
-                </a:stretch>
-              </a:blipFill>
-            </p:spPr>
-            <p:txBody>
-              <a:bodyPr/>
-              <a:lstStyle/>
-              <a:p>
-                <a:r>
-                  <a:rPr lang="en-GB">
-                    <a:noFill/>
-                  </a:rPr>
-                  <a:t> </a:t>
-                </a:r>
-              </a:p>
-            </p:txBody>
-          </p:sp>
-        </mc:Fallback>
-      </mc:AlternateContent>
-      <p:pic>
-        <p:nvPicPr>
-          <p:cNvPr id="12" name="Image 11">
-            <a:extLst>
-              <a:ext uri="{FF2B5EF4-FFF2-40B4-BE49-F238E27FC236}">
-                <a16:creationId xmlns:a16="http://schemas.microsoft.com/office/drawing/2014/main" id="{832FCCA2-D90D-B674-3212-8C2F4ABBC6CD}"/>
-              </a:ext>
-            </a:extLst>
-          </p:cNvPr>
-          <p:cNvPicPr>
-            <a:picLocks noChangeAspect="1"/>
-          </p:cNvPicPr>
-          <p:nvPr/>
-        </p:nvPicPr>
-        <p:blipFill>
-          <a:blip r:embed="rId4"/>
-          <a:stretch>
-            <a:fillRect/>
-          </a:stretch>
-        </p:blipFill>
-        <p:spPr>
-          <a:xfrm>
-            <a:off x="6062381" y="926988"/>
-            <a:ext cx="5371730" cy="2650064"/>
-          </a:xfrm>
-          <a:prstGeom prst="rect">
-            <a:avLst/>
-          </a:prstGeom>
-        </p:spPr>
-      </p:pic>
-      <mc:AlternateContent xmlns:mc="http://schemas.openxmlformats.org/markup-compatibility/2006" xmlns:a14="http://schemas.microsoft.com/office/drawing/2010/main">
-        <mc:Choice Requires="a14">
-          <p:sp>
-            <p:nvSpPr>
-              <p:cNvPr id="13" name="ZoneTexte 12">
-                <a:extLst>
-                  <a:ext uri="{FF2B5EF4-FFF2-40B4-BE49-F238E27FC236}">
-                    <a16:creationId xmlns:a16="http://schemas.microsoft.com/office/drawing/2014/main" id="{14240995-4649-C353-F5BF-132D074ED2B6}"/>
-                  </a:ext>
-                </a:extLst>
-              </p:cNvPr>
-              <p:cNvSpPr txBox="1"/>
-              <p:nvPr/>
-            </p:nvSpPr>
-            <p:spPr>
-              <a:xfrm>
-                <a:off x="6912042" y="3501008"/>
-                <a:ext cx="3672408" cy="369332"/>
-              </a:xfrm>
-              <a:prstGeom prst="rect">
-                <a:avLst/>
-              </a:prstGeom>
-              <a:noFill/>
-            </p:spPr>
-            <p:txBody>
-              <a:bodyPr wrap="square" rtlCol="0">
-                <a:spAutoFit/>
-              </a:bodyPr>
-              <a:lstStyle/>
-              <a:p>
-                <a:pPr/>
-                <a14:m>
-                  <m:oMathPara xmlns:m="http://schemas.openxmlformats.org/officeDocument/2006/math">
-                    <m:oMathParaPr>
-                      <m:jc m:val="centerGroup"/>
-                    </m:oMathParaPr>
-                    <m:oMath xmlns:m="http://schemas.openxmlformats.org/officeDocument/2006/math">
-                      <m:r>
-                        <a:rPr lang="en-GB" i="1" noProof="0" smtClean="0">
-                          <a:latin typeface="Cambria Math" panose="02040503050406030204" pitchFamily="18" charset="0"/>
-                          <a:ea typeface="Cambria Math" panose="02040503050406030204" pitchFamily="18" charset="0"/>
-                        </a:rPr>
-                        <m:t>𝜇</m:t>
-                      </m:r>
-                      <m:r>
-                        <a:rPr lang="en-GB" b="0" i="1" noProof="0" smtClean="0">
-                          <a:latin typeface="Cambria Math" panose="02040503050406030204" pitchFamily="18" charset="0"/>
-                          <a:ea typeface="Cambria Math" panose="02040503050406030204" pitchFamily="18" charset="0"/>
-                        </a:rPr>
-                        <m:t>=</m:t>
-                      </m:r>
-                      <m:r>
-                        <a:rPr lang="en-GB" i="1" noProof="0" smtClean="0">
-                          <a:latin typeface="Cambria Math" panose="02040503050406030204" pitchFamily="18" charset="0"/>
-                        </a:rPr>
-                        <m:t>−</m:t>
-                      </m:r>
-                      <m:r>
-                        <a:rPr lang="en-GB" b="0" i="1" noProof="0" smtClean="0">
-                          <a:latin typeface="Cambria Math" panose="02040503050406030204" pitchFamily="18" charset="0"/>
-                        </a:rPr>
-                        <m:t>1</m:t>
-                      </m:r>
-                      <m:r>
-                        <a:rPr lang="en-GB" i="1" noProof="0" smtClean="0">
-                          <a:latin typeface="Cambria Math" panose="02040503050406030204" pitchFamily="18" charset="0"/>
-                        </a:rPr>
-                        <m:t>.5</m:t>
-                      </m:r>
-                    </m:oMath>
-                  </m:oMathPara>
-                </a14:m>
-                <a:endParaRPr lang="en-GB" noProof="0" dirty="0"/>
-              </a:p>
-            </p:txBody>
-          </p:sp>
-        </mc:Choice>
-        <mc:Fallback xmlns="">
-          <p:sp>
-            <p:nvSpPr>
-              <p:cNvPr id="13" name="ZoneTexte 12">
-                <a:extLst>
-                  <a:ext uri="{FF2B5EF4-FFF2-40B4-BE49-F238E27FC236}">
-                    <a16:creationId xmlns:a16="http://schemas.microsoft.com/office/drawing/2014/main" id="{14240995-4649-C353-F5BF-132D074ED2B6}"/>
-                  </a:ext>
-                </a:extLst>
-              </p:cNvPr>
-              <p:cNvSpPr txBox="1">
-                <a:spLocks noRot="1" noChangeAspect="1" noMove="1" noResize="1" noEditPoints="1" noAdjustHandles="1" noChangeArrowheads="1" noChangeShapeType="1" noTextEdit="1"/>
-              </p:cNvSpPr>
-              <p:nvPr/>
-            </p:nvSpPr>
-            <p:spPr>
-              <a:xfrm>
-                <a:off x="6912042" y="3501008"/>
-                <a:ext cx="3672408" cy="369332"/>
-              </a:xfrm>
-              <a:prstGeom prst="rect">
-                <a:avLst/>
-              </a:prstGeom>
-              <a:blipFill>
-                <a:blip r:embed="rId5"/>
-                <a:stretch>
-                  <a:fillRect b="-4918"/>
-                </a:stretch>
-              </a:blipFill>
-            </p:spPr>
-            <p:txBody>
-              <a:bodyPr/>
-              <a:lstStyle/>
-              <a:p>
-                <a:r>
-                  <a:rPr lang="en-GB">
-                    <a:noFill/>
-                  </a:rPr>
-                  <a:t> </a:t>
-                </a:r>
-              </a:p>
-            </p:txBody>
-          </p:sp>
-        </mc:Fallback>
-      </mc:AlternateContent>
-      <p:pic>
-        <p:nvPicPr>
-          <p:cNvPr id="15" name="Image 14">
-            <a:extLst>
-              <a:ext uri="{FF2B5EF4-FFF2-40B4-BE49-F238E27FC236}">
-                <a16:creationId xmlns:a16="http://schemas.microsoft.com/office/drawing/2014/main" id="{920C7F2C-C931-DCD3-C4C7-474D5CEA3D31}"/>
-              </a:ext>
-            </a:extLst>
-          </p:cNvPr>
-          <p:cNvPicPr>
-            <a:picLocks noChangeAspect="1"/>
-          </p:cNvPicPr>
-          <p:nvPr/>
-        </p:nvPicPr>
-        <p:blipFill>
-          <a:blip r:embed="rId6"/>
-          <a:stretch>
-            <a:fillRect/>
-          </a:stretch>
-        </p:blipFill>
-        <p:spPr>
-          <a:xfrm>
-            <a:off x="599558" y="3797224"/>
-            <a:ext cx="5280551" cy="2377372"/>
-          </a:xfrm>
-          <a:prstGeom prst="rect">
-            <a:avLst/>
-          </a:prstGeom>
-        </p:spPr>
-      </p:pic>
-      <mc:AlternateContent xmlns:mc="http://schemas.openxmlformats.org/markup-compatibility/2006" xmlns:a14="http://schemas.microsoft.com/office/drawing/2010/main">
-        <mc:Choice Requires="a14">
-          <p:sp>
-            <p:nvSpPr>
-              <p:cNvPr id="16" name="ZoneTexte 15">
-                <a:extLst>
-                  <a:ext uri="{FF2B5EF4-FFF2-40B4-BE49-F238E27FC236}">
-                    <a16:creationId xmlns:a16="http://schemas.microsoft.com/office/drawing/2014/main" id="{FC286160-CBBF-2DBA-A120-7922D0DA98E2}"/>
-                  </a:ext>
-                </a:extLst>
-              </p:cNvPr>
-              <p:cNvSpPr txBox="1"/>
-              <p:nvPr/>
-            </p:nvSpPr>
-            <p:spPr>
-              <a:xfrm>
-                <a:off x="1283764" y="6029371"/>
-                <a:ext cx="3672408" cy="369332"/>
-              </a:xfrm>
-              <a:prstGeom prst="rect">
-                <a:avLst/>
-              </a:prstGeom>
-              <a:noFill/>
-            </p:spPr>
-            <p:txBody>
-              <a:bodyPr wrap="square" rtlCol="0">
-                <a:spAutoFit/>
-              </a:bodyPr>
-              <a:lstStyle/>
-              <a:p>
-                <a:pPr/>
-                <a14:m>
-                  <m:oMathPara xmlns:m="http://schemas.openxmlformats.org/officeDocument/2006/math">
-                    <m:oMathParaPr>
-                      <m:jc m:val="centerGroup"/>
-                    </m:oMathParaPr>
-                    <m:oMath xmlns:m="http://schemas.openxmlformats.org/officeDocument/2006/math">
-                      <m:r>
-                        <a:rPr lang="en-GB" i="1" noProof="0" smtClean="0">
-                          <a:latin typeface="Cambria Math" panose="02040503050406030204" pitchFamily="18" charset="0"/>
-                          <a:ea typeface="Cambria Math" panose="02040503050406030204" pitchFamily="18" charset="0"/>
-                        </a:rPr>
-                        <m:t>𝜇</m:t>
-                      </m:r>
-                      <m:r>
-                        <a:rPr lang="en-GB" b="0" i="1" noProof="0" smtClean="0">
-                          <a:latin typeface="Cambria Math" panose="02040503050406030204" pitchFamily="18" charset="0"/>
-                          <a:ea typeface="Cambria Math" panose="02040503050406030204" pitchFamily="18" charset="0"/>
-                        </a:rPr>
-                        <m:t>=</m:t>
-                      </m:r>
-                      <m:r>
-                        <a:rPr lang="en-GB" i="1" noProof="0" smtClean="0">
-                          <a:latin typeface="Cambria Math" panose="02040503050406030204" pitchFamily="18" charset="0"/>
-                        </a:rPr>
-                        <m:t>−</m:t>
-                      </m:r>
-                      <m:r>
-                        <a:rPr lang="en-GB" b="0" i="1" noProof="0" smtClean="0">
-                          <a:latin typeface="Cambria Math" panose="02040503050406030204" pitchFamily="18" charset="0"/>
-                        </a:rPr>
-                        <m:t>0</m:t>
-                      </m:r>
-                      <m:r>
-                        <a:rPr lang="en-GB" i="1" noProof="0" smtClean="0">
-                          <a:latin typeface="Cambria Math" panose="02040503050406030204" pitchFamily="18" charset="0"/>
-                        </a:rPr>
-                        <m:t>.5</m:t>
-                      </m:r>
-                    </m:oMath>
-                  </m:oMathPara>
-                </a14:m>
-                <a:endParaRPr lang="en-GB" noProof="0" dirty="0"/>
-              </a:p>
-            </p:txBody>
-          </p:sp>
-        </mc:Choice>
-        <mc:Fallback xmlns="">
-          <p:sp>
-            <p:nvSpPr>
-              <p:cNvPr id="16" name="ZoneTexte 15">
-                <a:extLst>
-                  <a:ext uri="{FF2B5EF4-FFF2-40B4-BE49-F238E27FC236}">
-                    <a16:creationId xmlns:a16="http://schemas.microsoft.com/office/drawing/2014/main" id="{FC286160-CBBF-2DBA-A120-7922D0DA98E2}"/>
-                  </a:ext>
-                </a:extLst>
-              </p:cNvPr>
-              <p:cNvSpPr txBox="1">
-                <a:spLocks noRot="1" noChangeAspect="1" noMove="1" noResize="1" noEditPoints="1" noAdjustHandles="1" noChangeArrowheads="1" noChangeShapeType="1" noTextEdit="1"/>
-              </p:cNvSpPr>
-              <p:nvPr/>
-            </p:nvSpPr>
-            <p:spPr>
-              <a:xfrm>
-                <a:off x="1283764" y="6029371"/>
-                <a:ext cx="3672408" cy="369332"/>
-              </a:xfrm>
-              <a:prstGeom prst="rect">
-                <a:avLst/>
-              </a:prstGeom>
-              <a:blipFill>
-                <a:blip r:embed="rId7"/>
-                <a:stretch>
-                  <a:fillRect b="-4918"/>
-                </a:stretch>
-              </a:blipFill>
-            </p:spPr>
-            <p:txBody>
-              <a:bodyPr/>
-              <a:lstStyle/>
-              <a:p>
-                <a:r>
-                  <a:rPr lang="en-GB">
-                    <a:noFill/>
-                  </a:rPr>
-                  <a:t> </a:t>
-                </a:r>
-              </a:p>
-            </p:txBody>
-          </p:sp>
-        </mc:Fallback>
-      </mc:AlternateContent>
-      <mc:AlternateContent xmlns:mc="http://schemas.openxmlformats.org/markup-compatibility/2006" xmlns:a14="http://schemas.microsoft.com/office/drawing/2010/main">
-        <mc:Choice Requires="a14">
-          <p:sp>
-            <p:nvSpPr>
-              <p:cNvPr id="3" name="ZoneTexte 2">
-                <a:extLst>
-                  <a:ext uri="{FF2B5EF4-FFF2-40B4-BE49-F238E27FC236}">
-                    <a16:creationId xmlns:a16="http://schemas.microsoft.com/office/drawing/2014/main" id="{B2594161-7C5C-51A3-EE13-B9D8B233EEA9}"/>
-                  </a:ext>
-                </a:extLst>
-              </p:cNvPr>
-              <p:cNvSpPr txBox="1"/>
-              <p:nvPr/>
-            </p:nvSpPr>
-            <p:spPr>
-              <a:xfrm>
-                <a:off x="6744072" y="4519573"/>
-                <a:ext cx="3672408" cy="861774"/>
-              </a:xfrm>
-              <a:prstGeom prst="rect">
-                <a:avLst/>
-              </a:prstGeom>
-              <a:noFill/>
-            </p:spPr>
-            <p:txBody>
-              <a:bodyPr wrap="square" rtlCol="0">
-                <a:spAutoFit/>
-              </a:bodyPr>
-              <a:lstStyle/>
-              <a:p>
-                <a:pPr marL="285750" indent="-285750">
-                  <a:buFont typeface="Courier New" panose="02070309020205020404" pitchFamily="49" charset="0"/>
-                  <a:buChar char="o"/>
-                </a:pPr>
-                <a:r>
-                  <a:rPr lang="en-GB" sz="1600" noProof="0" dirty="0"/>
-                  <a:t>Same number of oscillations</a:t>
-                </a:r>
-              </a:p>
-              <a:p>
-                <a:pPr marL="285750" indent="-285750">
-                  <a:buFont typeface="Courier New" panose="02070309020205020404" pitchFamily="49" charset="0"/>
-                  <a:buChar char="o"/>
-                </a:pPr>
-                <a:r>
-                  <a:rPr lang="en-GB" sz="1600" noProof="0" dirty="0"/>
-                  <a:t>Magnitude of the gap grows with decreasing </a:t>
-                </a:r>
-                <a14:m>
-                  <m:oMath xmlns:m="http://schemas.openxmlformats.org/officeDocument/2006/math">
-                    <m:r>
-                      <a:rPr lang="en-GB" sz="1600" b="0" i="1" noProof="0" smtClean="0">
-                        <a:latin typeface="Cambria Math" panose="02040503050406030204" pitchFamily="18" charset="0"/>
-                      </a:rPr>
-                      <m:t>|</m:t>
-                    </m:r>
-                    <m:r>
-                      <a:rPr lang="en-GB" sz="1600" b="0" i="1" noProof="0" smtClean="0">
-                        <a:latin typeface="Cambria Math" panose="02040503050406030204" pitchFamily="18" charset="0"/>
-                        <a:ea typeface="Cambria Math" panose="02040503050406030204" pitchFamily="18" charset="0"/>
-                      </a:rPr>
-                      <m:t>𝜇</m:t>
-                    </m:r>
-                    <m:r>
-                      <a:rPr lang="en-GB" sz="1600" b="0" i="1" noProof="0" smtClean="0">
-                        <a:latin typeface="Cambria Math" panose="02040503050406030204" pitchFamily="18" charset="0"/>
-                      </a:rPr>
-                      <m:t>|</m:t>
-                    </m:r>
-                  </m:oMath>
-                </a14:m>
-                <a:r>
-                  <a:rPr lang="en-GB" noProof="0" dirty="0"/>
-                  <a:t>.</a:t>
-                </a:r>
-              </a:p>
-            </p:txBody>
-          </p:sp>
-        </mc:Choice>
-        <mc:Fallback xmlns="">
-          <p:sp>
-            <p:nvSpPr>
-              <p:cNvPr id="3" name="ZoneTexte 2">
-                <a:extLst>
-                  <a:ext uri="{FF2B5EF4-FFF2-40B4-BE49-F238E27FC236}">
-                    <a16:creationId xmlns:a16="http://schemas.microsoft.com/office/drawing/2014/main" id="{B2594161-7C5C-51A3-EE13-B9D8B233EEA9}"/>
-                  </a:ext>
-                </a:extLst>
-              </p:cNvPr>
-              <p:cNvSpPr txBox="1">
-                <a:spLocks noRot="1" noChangeAspect="1" noMove="1" noResize="1" noEditPoints="1" noAdjustHandles="1" noChangeArrowheads="1" noChangeShapeType="1" noTextEdit="1"/>
-              </p:cNvSpPr>
-              <p:nvPr/>
-            </p:nvSpPr>
-            <p:spPr>
-              <a:xfrm>
-                <a:off x="6744072" y="4519573"/>
-                <a:ext cx="3672408" cy="861774"/>
-              </a:xfrm>
-              <a:prstGeom prst="rect">
-                <a:avLst/>
-              </a:prstGeom>
-              <a:blipFill>
-                <a:blip r:embed="rId8"/>
-                <a:stretch>
-                  <a:fillRect l="-663" t="-2113" b="-9859"/>
-                </a:stretch>
-              </a:blipFill>
-            </p:spPr>
-            <p:txBody>
-              <a:bodyPr/>
-              <a:lstStyle/>
-              <a:p>
-                <a:r>
-                  <a:rPr lang="en-GB">
-                    <a:noFill/>
-                  </a:rPr>
-                  <a:t> </a:t>
-                </a:r>
-              </a:p>
-            </p:txBody>
-          </p:sp>
-        </mc:Fallback>
-      </mc:AlternateContent>
-    </p:spTree>
-    <p:extLst>
-      <p:ext uri="{BB962C8B-B14F-4D97-AF65-F5344CB8AC3E}">
-        <p14:creationId xmlns:p14="http://schemas.microsoft.com/office/powerpoint/2010/main" val="2503377349"/>
       </p:ext>
     </p:extLst>
   </p:cSld>
@@ -25494,6 +25066,763 @@
           <p:cNvPr id="2" name="Titre 1">
             <a:extLst>
               <a:ext uri="{FF2B5EF4-FFF2-40B4-BE49-F238E27FC236}">
+                <a16:creationId xmlns:a16="http://schemas.microsoft.com/office/drawing/2014/main" id="{7F96E2D7-1101-4537-84E4-83A2AF96F9D4}"/>
+              </a:ext>
+            </a:extLst>
+          </p:cNvPr>
+          <p:cNvSpPr>
+            <a:spLocks noGrp="1"/>
+          </p:cNvSpPr>
+          <p:nvPr>
+            <p:ph type="title"/>
+          </p:nvPr>
+        </p:nvSpPr>
+        <p:spPr/>
+        <p:txBody>
+          <a:bodyPr/>
+          <a:lstStyle/>
+          <a:p>
+            <a:r>
+              <a:rPr lang="en-GB" noProof="0" dirty="0"/>
+              <a:t>Results</a:t>
+            </a:r>
+          </a:p>
+        </p:txBody>
+      </p:sp>
+      <p:sp>
+        <p:nvSpPr>
+          <p:cNvPr id="4" name="Espace réservé du pied de page 3">
+            <a:extLst>
+              <a:ext uri="{FF2B5EF4-FFF2-40B4-BE49-F238E27FC236}">
+                <a16:creationId xmlns:a16="http://schemas.microsoft.com/office/drawing/2014/main" id="{F1204C94-B014-9291-48F0-E16C8043592A}"/>
+              </a:ext>
+            </a:extLst>
+          </p:cNvPr>
+          <p:cNvSpPr>
+            <a:spLocks noGrp="1"/>
+          </p:cNvSpPr>
+          <p:nvPr>
+            <p:ph type="ftr" sz="quarter" idx="3"/>
+          </p:nvPr>
+        </p:nvSpPr>
+        <p:spPr/>
+        <p:txBody>
+          <a:bodyPr/>
+          <a:lstStyle/>
+          <a:p>
+            <a:r>
+              <a:rPr lang="en-GB" noProof="0" dirty="0"/>
+              <a:t>Proximity Effects in </a:t>
+            </a:r>
+            <a:r>
+              <a:rPr lang="en-GB" noProof="0" dirty="0" err="1"/>
+              <a:t>Altermagnetic</a:t>
+            </a:r>
+            <a:r>
+              <a:rPr lang="en-GB" noProof="0" dirty="0"/>
+              <a:t> Systems</a:t>
+            </a:r>
+          </a:p>
+        </p:txBody>
+      </p:sp>
+      <p:sp>
+        <p:nvSpPr>
+          <p:cNvPr id="5" name="Espace réservé du numéro de diapositive 4">
+            <a:extLst>
+              <a:ext uri="{FF2B5EF4-FFF2-40B4-BE49-F238E27FC236}">
+                <a16:creationId xmlns:a16="http://schemas.microsoft.com/office/drawing/2014/main" id="{F3C4A567-205A-1D66-0AE0-6839E0BD122E}"/>
+              </a:ext>
+            </a:extLst>
+          </p:cNvPr>
+          <p:cNvSpPr>
+            <a:spLocks noGrp="1"/>
+          </p:cNvSpPr>
+          <p:nvPr>
+            <p:ph type="sldNum" sz="quarter" idx="4"/>
+          </p:nvPr>
+        </p:nvSpPr>
+        <p:spPr/>
+        <p:txBody>
+          <a:bodyPr/>
+          <a:lstStyle/>
+          <a:p>
+            <a:fld id="{C05EE493-AD2E-4872-B2F6-8F12A747F0A5}" type="slidenum">
+              <a:rPr lang="en-GB" noProof="0" smtClean="0"/>
+              <a:pPr/>
+              <a:t>20</a:t>
+            </a:fld>
+            <a:endParaRPr lang="en-GB" noProof="0" dirty="0"/>
+          </a:p>
+        </p:txBody>
+      </p:sp>
+      <p:sp>
+        <p:nvSpPr>
+          <p:cNvPr id="6" name="Espace réservé de la date 5">
+            <a:extLst>
+              <a:ext uri="{FF2B5EF4-FFF2-40B4-BE49-F238E27FC236}">
+                <a16:creationId xmlns:a16="http://schemas.microsoft.com/office/drawing/2014/main" id="{5FF4CFDB-4A7A-E7B5-33C2-A9AFF371E1AD}"/>
+              </a:ext>
+            </a:extLst>
+          </p:cNvPr>
+          <p:cNvSpPr>
+            <a:spLocks noGrp="1"/>
+          </p:cNvSpPr>
+          <p:nvPr>
+            <p:ph type="dt" sz="half" idx="2"/>
+          </p:nvPr>
+        </p:nvSpPr>
+        <p:spPr/>
+        <p:txBody>
+          <a:bodyPr/>
+          <a:lstStyle/>
+          <a:p>
+            <a:r>
+              <a:rPr lang="en-GB" noProof="0" dirty="0"/>
+              <a:t>24.02.2025</a:t>
+            </a:r>
+          </a:p>
+        </p:txBody>
+      </p:sp>
+      <p:sp>
+        <p:nvSpPr>
+          <p:cNvPr id="7" name="ZoneTexte 6">
+            <a:extLst>
+              <a:ext uri="{FF2B5EF4-FFF2-40B4-BE49-F238E27FC236}">
+                <a16:creationId xmlns:a16="http://schemas.microsoft.com/office/drawing/2014/main" id="{BECD3CFA-8BC8-AC3C-0B50-7C7CDEBED0A0}"/>
+              </a:ext>
+            </a:extLst>
+          </p:cNvPr>
+          <p:cNvSpPr txBox="1"/>
+          <p:nvPr/>
+        </p:nvSpPr>
+        <p:spPr>
+          <a:xfrm>
+            <a:off x="335360" y="758445"/>
+            <a:ext cx="6024236" cy="338554"/>
+          </a:xfrm>
+          <a:prstGeom prst="rect">
+            <a:avLst/>
+          </a:prstGeom>
+          <a:noFill/>
+        </p:spPr>
+        <p:txBody>
+          <a:bodyPr wrap="square" rtlCol="0">
+            <a:spAutoFit/>
+          </a:bodyPr>
+          <a:lstStyle/>
+          <a:p>
+            <a:r>
+              <a:rPr lang="en-GB" sz="1600" b="1" noProof="0" dirty="0">
+                <a:latin typeface="+mj-lt"/>
+              </a:rPr>
+              <a:t>Heterostructure: SC-AM and diagonal interface</a:t>
+            </a:r>
+          </a:p>
+        </p:txBody>
+      </p:sp>
+      <p:pic>
+        <p:nvPicPr>
+          <p:cNvPr id="9" name="Image 8">
+            <a:extLst>
+              <a:ext uri="{FF2B5EF4-FFF2-40B4-BE49-F238E27FC236}">
+                <a16:creationId xmlns:a16="http://schemas.microsoft.com/office/drawing/2014/main" id="{8F02A527-A530-78A9-3247-6D16B62CAC74}"/>
+              </a:ext>
+            </a:extLst>
+          </p:cNvPr>
+          <p:cNvPicPr>
+            <a:picLocks noChangeAspect="1"/>
+          </p:cNvPicPr>
+          <p:nvPr/>
+        </p:nvPicPr>
+        <p:blipFill>
+          <a:blip r:embed="rId2"/>
+          <a:stretch>
+            <a:fillRect/>
+          </a:stretch>
+        </p:blipFill>
+        <p:spPr>
+          <a:xfrm>
+            <a:off x="335360" y="1052736"/>
+            <a:ext cx="5477045" cy="2469683"/>
+          </a:xfrm>
+          <a:prstGeom prst="rect">
+            <a:avLst/>
+          </a:prstGeom>
+        </p:spPr>
+      </p:pic>
+      <mc:AlternateContent xmlns:mc="http://schemas.openxmlformats.org/markup-compatibility/2006" xmlns:a14="http://schemas.microsoft.com/office/drawing/2010/main">
+        <mc:Choice Requires="a14">
+          <p:sp>
+            <p:nvSpPr>
+              <p:cNvPr id="10" name="ZoneTexte 9">
+                <a:extLst>
+                  <a:ext uri="{FF2B5EF4-FFF2-40B4-BE49-F238E27FC236}">
+                    <a16:creationId xmlns:a16="http://schemas.microsoft.com/office/drawing/2014/main" id="{0D2E6336-6379-083F-CDAE-98417AEFA767}"/>
+                  </a:ext>
+                </a:extLst>
+              </p:cNvPr>
+              <p:cNvSpPr txBox="1"/>
+              <p:nvPr/>
+            </p:nvSpPr>
+            <p:spPr>
+              <a:xfrm>
+                <a:off x="1343472" y="3501008"/>
+                <a:ext cx="3672408" cy="369332"/>
+              </a:xfrm>
+              <a:prstGeom prst="rect">
+                <a:avLst/>
+              </a:prstGeom>
+              <a:noFill/>
+            </p:spPr>
+            <p:txBody>
+              <a:bodyPr wrap="square" rtlCol="0">
+                <a:spAutoFit/>
+              </a:bodyPr>
+              <a:lstStyle/>
+              <a:p>
+                <a:pPr/>
+                <a14:m>
+                  <m:oMathPara xmlns:m="http://schemas.openxmlformats.org/officeDocument/2006/math">
+                    <m:oMathParaPr>
+                      <m:jc m:val="centerGroup"/>
+                    </m:oMathParaPr>
+                    <m:oMath xmlns:m="http://schemas.openxmlformats.org/officeDocument/2006/math">
+                      <m:r>
+                        <a:rPr lang="en-GB" i="1" noProof="0" smtClean="0">
+                          <a:latin typeface="Cambria Math" panose="02040503050406030204" pitchFamily="18" charset="0"/>
+                          <a:ea typeface="Cambria Math" panose="02040503050406030204" pitchFamily="18" charset="0"/>
+                        </a:rPr>
+                        <m:t>𝜇</m:t>
+                      </m:r>
+                      <m:r>
+                        <a:rPr lang="en-GB" b="0" i="1" noProof="0" smtClean="0">
+                          <a:latin typeface="Cambria Math" panose="02040503050406030204" pitchFamily="18" charset="0"/>
+                          <a:ea typeface="Cambria Math" panose="02040503050406030204" pitchFamily="18" charset="0"/>
+                        </a:rPr>
+                        <m:t>=</m:t>
+                      </m:r>
+                      <m:r>
+                        <a:rPr lang="en-GB" i="1" noProof="0" smtClean="0">
+                          <a:latin typeface="Cambria Math" panose="02040503050406030204" pitchFamily="18" charset="0"/>
+                        </a:rPr>
+                        <m:t>−2.5</m:t>
+                      </m:r>
+                    </m:oMath>
+                  </m:oMathPara>
+                </a14:m>
+                <a:endParaRPr lang="en-GB" noProof="0" dirty="0"/>
+              </a:p>
+            </p:txBody>
+          </p:sp>
+        </mc:Choice>
+        <mc:Fallback xmlns="">
+          <p:sp>
+            <p:nvSpPr>
+              <p:cNvPr id="10" name="ZoneTexte 9">
+                <a:extLst>
+                  <a:ext uri="{FF2B5EF4-FFF2-40B4-BE49-F238E27FC236}">
+                    <a16:creationId xmlns:a16="http://schemas.microsoft.com/office/drawing/2014/main" id="{0D2E6336-6379-083F-CDAE-98417AEFA767}"/>
+                  </a:ext>
+                </a:extLst>
+              </p:cNvPr>
+              <p:cNvSpPr txBox="1">
+                <a:spLocks noRot="1" noChangeAspect="1" noMove="1" noResize="1" noEditPoints="1" noAdjustHandles="1" noChangeArrowheads="1" noChangeShapeType="1" noTextEdit="1"/>
+              </p:cNvSpPr>
+              <p:nvPr/>
+            </p:nvSpPr>
+            <p:spPr>
+              <a:xfrm>
+                <a:off x="1343472" y="3501008"/>
+                <a:ext cx="3672408" cy="369332"/>
+              </a:xfrm>
+              <a:prstGeom prst="rect">
+                <a:avLst/>
+              </a:prstGeom>
+              <a:blipFill>
+                <a:blip r:embed="rId3"/>
+                <a:stretch>
+                  <a:fillRect b="-4918"/>
+                </a:stretch>
+              </a:blipFill>
+            </p:spPr>
+            <p:txBody>
+              <a:bodyPr/>
+              <a:lstStyle/>
+              <a:p>
+                <a:r>
+                  <a:rPr lang="en-GB">
+                    <a:noFill/>
+                  </a:rPr>
+                  <a:t> </a:t>
+                </a:r>
+              </a:p>
+            </p:txBody>
+          </p:sp>
+        </mc:Fallback>
+      </mc:AlternateContent>
+      <p:pic>
+        <p:nvPicPr>
+          <p:cNvPr id="12" name="Image 11">
+            <a:extLst>
+              <a:ext uri="{FF2B5EF4-FFF2-40B4-BE49-F238E27FC236}">
+                <a16:creationId xmlns:a16="http://schemas.microsoft.com/office/drawing/2014/main" id="{832FCCA2-D90D-B674-3212-8C2F4ABBC6CD}"/>
+              </a:ext>
+            </a:extLst>
+          </p:cNvPr>
+          <p:cNvPicPr>
+            <a:picLocks noChangeAspect="1"/>
+          </p:cNvPicPr>
+          <p:nvPr/>
+        </p:nvPicPr>
+        <p:blipFill>
+          <a:blip r:embed="rId4"/>
+          <a:stretch>
+            <a:fillRect/>
+          </a:stretch>
+        </p:blipFill>
+        <p:spPr>
+          <a:xfrm>
+            <a:off x="6062381" y="926988"/>
+            <a:ext cx="5371730" cy="2650064"/>
+          </a:xfrm>
+          <a:prstGeom prst="rect">
+            <a:avLst/>
+          </a:prstGeom>
+        </p:spPr>
+      </p:pic>
+      <mc:AlternateContent xmlns:mc="http://schemas.openxmlformats.org/markup-compatibility/2006" xmlns:a14="http://schemas.microsoft.com/office/drawing/2010/main">
+        <mc:Choice Requires="a14">
+          <p:sp>
+            <p:nvSpPr>
+              <p:cNvPr id="13" name="ZoneTexte 12">
+                <a:extLst>
+                  <a:ext uri="{FF2B5EF4-FFF2-40B4-BE49-F238E27FC236}">
+                    <a16:creationId xmlns:a16="http://schemas.microsoft.com/office/drawing/2014/main" id="{14240995-4649-C353-F5BF-132D074ED2B6}"/>
+                  </a:ext>
+                </a:extLst>
+              </p:cNvPr>
+              <p:cNvSpPr txBox="1"/>
+              <p:nvPr/>
+            </p:nvSpPr>
+            <p:spPr>
+              <a:xfrm>
+                <a:off x="6912042" y="3501008"/>
+                <a:ext cx="3672408" cy="369332"/>
+              </a:xfrm>
+              <a:prstGeom prst="rect">
+                <a:avLst/>
+              </a:prstGeom>
+              <a:noFill/>
+            </p:spPr>
+            <p:txBody>
+              <a:bodyPr wrap="square" rtlCol="0">
+                <a:spAutoFit/>
+              </a:bodyPr>
+              <a:lstStyle/>
+              <a:p>
+                <a:pPr/>
+                <a14:m>
+                  <m:oMathPara xmlns:m="http://schemas.openxmlformats.org/officeDocument/2006/math">
+                    <m:oMathParaPr>
+                      <m:jc m:val="centerGroup"/>
+                    </m:oMathParaPr>
+                    <m:oMath xmlns:m="http://schemas.openxmlformats.org/officeDocument/2006/math">
+                      <m:r>
+                        <a:rPr lang="en-GB" i="1" noProof="0" smtClean="0">
+                          <a:latin typeface="Cambria Math" panose="02040503050406030204" pitchFamily="18" charset="0"/>
+                          <a:ea typeface="Cambria Math" panose="02040503050406030204" pitchFamily="18" charset="0"/>
+                        </a:rPr>
+                        <m:t>𝜇</m:t>
+                      </m:r>
+                      <m:r>
+                        <a:rPr lang="en-GB" b="0" i="1" noProof="0" smtClean="0">
+                          <a:latin typeface="Cambria Math" panose="02040503050406030204" pitchFamily="18" charset="0"/>
+                          <a:ea typeface="Cambria Math" panose="02040503050406030204" pitchFamily="18" charset="0"/>
+                        </a:rPr>
+                        <m:t>=</m:t>
+                      </m:r>
+                      <m:r>
+                        <a:rPr lang="en-GB" i="1" noProof="0" smtClean="0">
+                          <a:latin typeface="Cambria Math" panose="02040503050406030204" pitchFamily="18" charset="0"/>
+                        </a:rPr>
+                        <m:t>−</m:t>
+                      </m:r>
+                      <m:r>
+                        <a:rPr lang="en-GB" b="0" i="1" noProof="0" smtClean="0">
+                          <a:latin typeface="Cambria Math" panose="02040503050406030204" pitchFamily="18" charset="0"/>
+                        </a:rPr>
+                        <m:t>1</m:t>
+                      </m:r>
+                      <m:r>
+                        <a:rPr lang="en-GB" i="1" noProof="0" smtClean="0">
+                          <a:latin typeface="Cambria Math" panose="02040503050406030204" pitchFamily="18" charset="0"/>
+                        </a:rPr>
+                        <m:t>.5</m:t>
+                      </m:r>
+                    </m:oMath>
+                  </m:oMathPara>
+                </a14:m>
+                <a:endParaRPr lang="en-GB" noProof="0" dirty="0"/>
+              </a:p>
+            </p:txBody>
+          </p:sp>
+        </mc:Choice>
+        <mc:Fallback xmlns="">
+          <p:sp>
+            <p:nvSpPr>
+              <p:cNvPr id="13" name="ZoneTexte 12">
+                <a:extLst>
+                  <a:ext uri="{FF2B5EF4-FFF2-40B4-BE49-F238E27FC236}">
+                    <a16:creationId xmlns:a16="http://schemas.microsoft.com/office/drawing/2014/main" id="{14240995-4649-C353-F5BF-132D074ED2B6}"/>
+                  </a:ext>
+                </a:extLst>
+              </p:cNvPr>
+              <p:cNvSpPr txBox="1">
+                <a:spLocks noRot="1" noChangeAspect="1" noMove="1" noResize="1" noEditPoints="1" noAdjustHandles="1" noChangeArrowheads="1" noChangeShapeType="1" noTextEdit="1"/>
+              </p:cNvSpPr>
+              <p:nvPr/>
+            </p:nvSpPr>
+            <p:spPr>
+              <a:xfrm>
+                <a:off x="6912042" y="3501008"/>
+                <a:ext cx="3672408" cy="369332"/>
+              </a:xfrm>
+              <a:prstGeom prst="rect">
+                <a:avLst/>
+              </a:prstGeom>
+              <a:blipFill>
+                <a:blip r:embed="rId5"/>
+                <a:stretch>
+                  <a:fillRect b="-4918"/>
+                </a:stretch>
+              </a:blipFill>
+            </p:spPr>
+            <p:txBody>
+              <a:bodyPr/>
+              <a:lstStyle/>
+              <a:p>
+                <a:r>
+                  <a:rPr lang="en-GB">
+                    <a:noFill/>
+                  </a:rPr>
+                  <a:t> </a:t>
+                </a:r>
+              </a:p>
+            </p:txBody>
+          </p:sp>
+        </mc:Fallback>
+      </mc:AlternateContent>
+      <p:pic>
+        <p:nvPicPr>
+          <p:cNvPr id="15" name="Image 14">
+            <a:extLst>
+              <a:ext uri="{FF2B5EF4-FFF2-40B4-BE49-F238E27FC236}">
+                <a16:creationId xmlns:a16="http://schemas.microsoft.com/office/drawing/2014/main" id="{920C7F2C-C931-DCD3-C4C7-474D5CEA3D31}"/>
+              </a:ext>
+            </a:extLst>
+          </p:cNvPr>
+          <p:cNvPicPr>
+            <a:picLocks noChangeAspect="1"/>
+          </p:cNvPicPr>
+          <p:nvPr/>
+        </p:nvPicPr>
+        <p:blipFill>
+          <a:blip r:embed="rId6"/>
+          <a:stretch>
+            <a:fillRect/>
+          </a:stretch>
+        </p:blipFill>
+        <p:spPr>
+          <a:xfrm>
+            <a:off x="599558" y="3797224"/>
+            <a:ext cx="5280551" cy="2377372"/>
+          </a:xfrm>
+          <a:prstGeom prst="rect">
+            <a:avLst/>
+          </a:prstGeom>
+        </p:spPr>
+      </p:pic>
+      <mc:AlternateContent xmlns:mc="http://schemas.openxmlformats.org/markup-compatibility/2006" xmlns:a14="http://schemas.microsoft.com/office/drawing/2010/main">
+        <mc:Choice Requires="a14">
+          <p:sp>
+            <p:nvSpPr>
+              <p:cNvPr id="16" name="ZoneTexte 15">
+                <a:extLst>
+                  <a:ext uri="{FF2B5EF4-FFF2-40B4-BE49-F238E27FC236}">
+                    <a16:creationId xmlns:a16="http://schemas.microsoft.com/office/drawing/2014/main" id="{FC286160-CBBF-2DBA-A120-7922D0DA98E2}"/>
+                  </a:ext>
+                </a:extLst>
+              </p:cNvPr>
+              <p:cNvSpPr txBox="1"/>
+              <p:nvPr/>
+            </p:nvSpPr>
+            <p:spPr>
+              <a:xfrm>
+                <a:off x="1283764" y="6029371"/>
+                <a:ext cx="3672408" cy="369332"/>
+              </a:xfrm>
+              <a:prstGeom prst="rect">
+                <a:avLst/>
+              </a:prstGeom>
+              <a:noFill/>
+            </p:spPr>
+            <p:txBody>
+              <a:bodyPr wrap="square" rtlCol="0">
+                <a:spAutoFit/>
+              </a:bodyPr>
+              <a:lstStyle/>
+              <a:p>
+                <a:pPr/>
+                <a14:m>
+                  <m:oMathPara xmlns:m="http://schemas.openxmlformats.org/officeDocument/2006/math">
+                    <m:oMathParaPr>
+                      <m:jc m:val="centerGroup"/>
+                    </m:oMathParaPr>
+                    <m:oMath xmlns:m="http://schemas.openxmlformats.org/officeDocument/2006/math">
+                      <m:r>
+                        <a:rPr lang="en-GB" i="1" noProof="0" smtClean="0">
+                          <a:latin typeface="Cambria Math" panose="02040503050406030204" pitchFamily="18" charset="0"/>
+                          <a:ea typeface="Cambria Math" panose="02040503050406030204" pitchFamily="18" charset="0"/>
+                        </a:rPr>
+                        <m:t>𝜇</m:t>
+                      </m:r>
+                      <m:r>
+                        <a:rPr lang="en-GB" b="0" i="1" noProof="0" smtClean="0">
+                          <a:latin typeface="Cambria Math" panose="02040503050406030204" pitchFamily="18" charset="0"/>
+                          <a:ea typeface="Cambria Math" panose="02040503050406030204" pitchFamily="18" charset="0"/>
+                        </a:rPr>
+                        <m:t>=</m:t>
+                      </m:r>
+                      <m:r>
+                        <a:rPr lang="en-GB" i="1" noProof="0" smtClean="0">
+                          <a:latin typeface="Cambria Math" panose="02040503050406030204" pitchFamily="18" charset="0"/>
+                        </a:rPr>
+                        <m:t>−</m:t>
+                      </m:r>
+                      <m:r>
+                        <a:rPr lang="en-GB" b="0" i="1" noProof="0" smtClean="0">
+                          <a:latin typeface="Cambria Math" panose="02040503050406030204" pitchFamily="18" charset="0"/>
+                        </a:rPr>
+                        <m:t>0</m:t>
+                      </m:r>
+                      <m:r>
+                        <a:rPr lang="en-GB" i="1" noProof="0" smtClean="0">
+                          <a:latin typeface="Cambria Math" panose="02040503050406030204" pitchFamily="18" charset="0"/>
+                        </a:rPr>
+                        <m:t>.5</m:t>
+                      </m:r>
+                    </m:oMath>
+                  </m:oMathPara>
+                </a14:m>
+                <a:endParaRPr lang="en-GB" noProof="0" dirty="0"/>
+              </a:p>
+            </p:txBody>
+          </p:sp>
+        </mc:Choice>
+        <mc:Fallback xmlns="">
+          <p:sp>
+            <p:nvSpPr>
+              <p:cNvPr id="16" name="ZoneTexte 15">
+                <a:extLst>
+                  <a:ext uri="{FF2B5EF4-FFF2-40B4-BE49-F238E27FC236}">
+                    <a16:creationId xmlns:a16="http://schemas.microsoft.com/office/drawing/2014/main" id="{FC286160-CBBF-2DBA-A120-7922D0DA98E2}"/>
+                  </a:ext>
+                </a:extLst>
+              </p:cNvPr>
+              <p:cNvSpPr txBox="1">
+                <a:spLocks noRot="1" noChangeAspect="1" noMove="1" noResize="1" noEditPoints="1" noAdjustHandles="1" noChangeArrowheads="1" noChangeShapeType="1" noTextEdit="1"/>
+              </p:cNvSpPr>
+              <p:nvPr/>
+            </p:nvSpPr>
+            <p:spPr>
+              <a:xfrm>
+                <a:off x="1283764" y="6029371"/>
+                <a:ext cx="3672408" cy="369332"/>
+              </a:xfrm>
+              <a:prstGeom prst="rect">
+                <a:avLst/>
+              </a:prstGeom>
+              <a:blipFill>
+                <a:blip r:embed="rId7"/>
+                <a:stretch>
+                  <a:fillRect b="-4918"/>
+                </a:stretch>
+              </a:blipFill>
+            </p:spPr>
+            <p:txBody>
+              <a:bodyPr/>
+              <a:lstStyle/>
+              <a:p>
+                <a:r>
+                  <a:rPr lang="en-GB">
+                    <a:noFill/>
+                  </a:rPr>
+                  <a:t> </a:t>
+                </a:r>
+              </a:p>
+            </p:txBody>
+          </p:sp>
+        </mc:Fallback>
+      </mc:AlternateContent>
+      <mc:AlternateContent xmlns:mc="http://schemas.openxmlformats.org/markup-compatibility/2006" xmlns:a14="http://schemas.microsoft.com/office/drawing/2010/main">
+        <mc:Choice Requires="a14">
+          <p:sp>
+            <p:nvSpPr>
+              <p:cNvPr id="3" name="ZoneTexte 2">
+                <a:extLst>
+                  <a:ext uri="{FF2B5EF4-FFF2-40B4-BE49-F238E27FC236}">
+                    <a16:creationId xmlns:a16="http://schemas.microsoft.com/office/drawing/2014/main" id="{B2594161-7C5C-51A3-EE13-B9D8B233EEA9}"/>
+                  </a:ext>
+                </a:extLst>
+              </p:cNvPr>
+              <p:cNvSpPr txBox="1"/>
+              <p:nvPr/>
+            </p:nvSpPr>
+            <p:spPr>
+              <a:xfrm>
+                <a:off x="6744072" y="4519573"/>
+                <a:ext cx="3672408" cy="861774"/>
+              </a:xfrm>
+              <a:prstGeom prst="rect">
+                <a:avLst/>
+              </a:prstGeom>
+              <a:noFill/>
+            </p:spPr>
+            <p:txBody>
+              <a:bodyPr wrap="square" rtlCol="0">
+                <a:spAutoFit/>
+              </a:bodyPr>
+              <a:lstStyle/>
+              <a:p>
+                <a:pPr marL="285750" indent="-285750">
+                  <a:buFont typeface="Courier New" panose="02070309020205020404" pitchFamily="49" charset="0"/>
+                  <a:buChar char="o"/>
+                </a:pPr>
+                <a:r>
+                  <a:rPr lang="en-GB" sz="1600" noProof="0" dirty="0"/>
+                  <a:t>Same number of oscillations</a:t>
+                </a:r>
+              </a:p>
+              <a:p>
+                <a:pPr marL="285750" indent="-285750">
+                  <a:buFont typeface="Courier New" panose="02070309020205020404" pitchFamily="49" charset="0"/>
+                  <a:buChar char="o"/>
+                </a:pPr>
+                <a:r>
+                  <a:rPr lang="en-GB" sz="1600" noProof="0" dirty="0"/>
+                  <a:t>Magnitude of the gap grows with decreasing </a:t>
+                </a:r>
+                <a14:m>
+                  <m:oMath xmlns:m="http://schemas.openxmlformats.org/officeDocument/2006/math">
+                    <m:r>
+                      <a:rPr lang="en-GB" sz="1600" b="0" i="1" noProof="0" smtClean="0">
+                        <a:latin typeface="Cambria Math" panose="02040503050406030204" pitchFamily="18" charset="0"/>
+                      </a:rPr>
+                      <m:t>|</m:t>
+                    </m:r>
+                    <m:r>
+                      <a:rPr lang="en-GB" sz="1600" b="0" i="1" noProof="0" smtClean="0">
+                        <a:latin typeface="Cambria Math" panose="02040503050406030204" pitchFamily="18" charset="0"/>
+                        <a:ea typeface="Cambria Math" panose="02040503050406030204" pitchFamily="18" charset="0"/>
+                      </a:rPr>
+                      <m:t>𝜇</m:t>
+                    </m:r>
+                    <m:r>
+                      <a:rPr lang="en-GB" sz="1600" b="0" i="1" noProof="0" smtClean="0">
+                        <a:latin typeface="Cambria Math" panose="02040503050406030204" pitchFamily="18" charset="0"/>
+                      </a:rPr>
+                      <m:t>|</m:t>
+                    </m:r>
+                  </m:oMath>
+                </a14:m>
+                <a:r>
+                  <a:rPr lang="en-GB" noProof="0" dirty="0"/>
+                  <a:t>.</a:t>
+                </a:r>
+              </a:p>
+            </p:txBody>
+          </p:sp>
+        </mc:Choice>
+        <mc:Fallback xmlns="">
+          <p:sp>
+            <p:nvSpPr>
+              <p:cNvPr id="3" name="ZoneTexte 2">
+                <a:extLst>
+                  <a:ext uri="{FF2B5EF4-FFF2-40B4-BE49-F238E27FC236}">
+                    <a16:creationId xmlns:a16="http://schemas.microsoft.com/office/drawing/2014/main" id="{B2594161-7C5C-51A3-EE13-B9D8B233EEA9}"/>
+                  </a:ext>
+                </a:extLst>
+              </p:cNvPr>
+              <p:cNvSpPr txBox="1">
+                <a:spLocks noRot="1" noChangeAspect="1" noMove="1" noResize="1" noEditPoints="1" noAdjustHandles="1" noChangeArrowheads="1" noChangeShapeType="1" noTextEdit="1"/>
+              </p:cNvSpPr>
+              <p:nvPr/>
+            </p:nvSpPr>
+            <p:spPr>
+              <a:xfrm>
+                <a:off x="6744072" y="4519573"/>
+                <a:ext cx="3672408" cy="861774"/>
+              </a:xfrm>
+              <a:prstGeom prst="rect">
+                <a:avLst/>
+              </a:prstGeom>
+              <a:blipFill>
+                <a:blip r:embed="rId8"/>
+                <a:stretch>
+                  <a:fillRect l="-663" t="-2113" b="-9859"/>
+                </a:stretch>
+              </a:blipFill>
+            </p:spPr>
+            <p:txBody>
+              <a:bodyPr/>
+              <a:lstStyle/>
+              <a:p>
+                <a:r>
+                  <a:rPr lang="en-GB">
+                    <a:noFill/>
+                  </a:rPr>
+                  <a:t> </a:t>
+                </a:r>
+              </a:p>
+            </p:txBody>
+          </p:sp>
+        </mc:Fallback>
+      </mc:AlternateContent>
+    </p:spTree>
+    <p:extLst>
+      <p:ext uri="{BB962C8B-B14F-4D97-AF65-F5344CB8AC3E}">
+        <p14:creationId xmlns:p14="http://schemas.microsoft.com/office/powerpoint/2010/main" val="2503377349"/>
+      </p:ext>
+    </p:extLst>
+  </p:cSld>
+  <p:clrMapOvr>
+    <a:masterClrMapping/>
+  </p:clrMapOvr>
+</p:sld>
+</file>
+
+<file path=ppt/slides/slide21.xml><?xml version="1.0" encoding="utf-8"?>
+<p:sld xmlns:a="http://schemas.openxmlformats.org/drawingml/2006/main" xmlns:r="http://schemas.openxmlformats.org/officeDocument/2006/relationships" xmlns:p="http://schemas.openxmlformats.org/presentationml/2006/main">
+  <p:cSld>
+    <p:spTree>
+      <p:nvGrpSpPr>
+        <p:cNvPr id="1" name=""/>
+        <p:cNvGrpSpPr/>
+        <p:nvPr/>
+      </p:nvGrpSpPr>
+      <p:grpSpPr>
+        <a:xfrm>
+          <a:off x="0" y="0"/>
+          <a:ext cx="0" cy="0"/>
+          <a:chOff x="0" y="0"/>
+          <a:chExt cx="0" cy="0"/>
+        </a:xfrm>
+      </p:grpSpPr>
+      <p:sp>
+        <p:nvSpPr>
+          <p:cNvPr id="2" name="Titre 1">
+            <a:extLst>
+              <a:ext uri="{FF2B5EF4-FFF2-40B4-BE49-F238E27FC236}">
                 <a16:creationId xmlns:a16="http://schemas.microsoft.com/office/drawing/2014/main" id="{3590ABB9-C918-D938-8E41-CBB8B0EF5094}"/>
               </a:ext>
             </a:extLst>
@@ -25618,7 +25947,7 @@
             <a:fld id="{C05EE493-AD2E-4872-B2F6-8F12A747F0A5}" type="slidenum">
               <a:rPr lang="en-GB" noProof="0" smtClean="0"/>
               <a:pPr/>
-              <a:t>20</a:t>
+              <a:t>21</a:t>
             </a:fld>
             <a:endParaRPr lang="en-GB" noProof="0" dirty="0"/>
           </a:p>
@@ -26126,7 +26455,7 @@
 </p:sld>
 </file>
 
-<file path=ppt/slides/slide21.xml><?xml version="1.0" encoding="utf-8"?>
+<file path=ppt/slides/slide22.xml><?xml version="1.0" encoding="utf-8"?>
 <p:sld xmlns:a="http://schemas.openxmlformats.org/drawingml/2006/main" xmlns:r="http://schemas.openxmlformats.org/officeDocument/2006/relationships" xmlns:p="http://schemas.openxmlformats.org/presentationml/2006/main">
   <p:cSld>
     <p:spTree>
@@ -26203,7 +26532,7 @@
             <a:fld id="{C05EE493-AD2E-4872-B2F6-8F12A747F0A5}" type="slidenum">
               <a:rPr lang="en-GB" noProof="0" smtClean="0"/>
               <a:pPr/>
-              <a:t>21</a:t>
+              <a:t>22</a:t>
             </a:fld>
             <a:endParaRPr lang="en-GB" noProof="0" dirty="0"/>
           </a:p>
@@ -26665,7 +26994,7 @@
 </p:sld>
 </file>
 
-<file path=ppt/slides/slide22.xml><?xml version="1.0" encoding="utf-8"?>
+<file path=ppt/slides/slide23.xml><?xml version="1.0" encoding="utf-8"?>
 <p:sld xmlns:a="http://schemas.openxmlformats.org/drawingml/2006/main" xmlns:r="http://schemas.openxmlformats.org/officeDocument/2006/relationships" xmlns:p="http://schemas.openxmlformats.org/presentationml/2006/main">
   <p:cSld>
     <p:spTree>
@@ -26770,7 +27099,7 @@
             <a:fld id="{C05EE493-AD2E-4872-B2F6-8F12A747F0A5}" type="slidenum">
               <a:rPr lang="en-GB" noProof="0" smtClean="0"/>
               <a:pPr/>
-              <a:t>22</a:t>
+              <a:t>23</a:t>
             </a:fld>
             <a:endParaRPr lang="en-GB" noProof="0" dirty="0"/>
           </a:p>
@@ -27108,7 +27437,7 @@
 </p:sld>
 </file>
 
-<file path=ppt/slides/slide23.xml><?xml version="1.0" encoding="utf-8"?>
+<file path=ppt/slides/slide24.xml><?xml version="1.0" encoding="utf-8"?>
 <p:sld xmlns:a="http://schemas.openxmlformats.org/drawingml/2006/main" xmlns:r="http://schemas.openxmlformats.org/officeDocument/2006/relationships" xmlns:p="http://schemas.openxmlformats.org/presentationml/2006/main">
   <p:cSld>
     <p:spTree>
@@ -27185,7 +27514,7 @@
             <a:fld id="{C05EE493-AD2E-4872-B2F6-8F12A747F0A5}" type="slidenum">
               <a:rPr lang="en-GB" noProof="0" smtClean="0"/>
               <a:pPr/>
-              <a:t>23</a:t>
+              <a:t>24</a:t>
             </a:fld>
             <a:endParaRPr lang="en-GB" noProof="0" dirty="0"/>
           </a:p>
@@ -28020,7 +28349,7 @@
 </p:sld>
 </file>
 
-<file path=ppt/slides/slide24.xml><?xml version="1.0" encoding="utf-8"?>
+<file path=ppt/slides/slide25.xml><?xml version="1.0" encoding="utf-8"?>
 <p:sld xmlns:a="http://schemas.openxmlformats.org/drawingml/2006/main" xmlns:r="http://schemas.openxmlformats.org/officeDocument/2006/relationships" xmlns:p="http://schemas.openxmlformats.org/presentationml/2006/main">
   <p:cSld>
     <p:spTree>
@@ -28125,7 +28454,7 @@
             <a:fld id="{C05EE493-AD2E-4872-B2F6-8F12A747F0A5}" type="slidenum">
               <a:rPr lang="en-GB" noProof="0" smtClean="0"/>
               <a:pPr/>
-              <a:t>24</a:t>
+              <a:t>25</a:t>
             </a:fld>
             <a:endParaRPr lang="en-GB" noProof="0" dirty="0"/>
           </a:p>
@@ -29696,7 +30025,7 @@
 </p:sld>
 </file>
 
-<file path=ppt/slides/slide25.xml><?xml version="1.0" encoding="utf-8"?>
+<file path=ppt/slides/slide26.xml><?xml version="1.0" encoding="utf-8"?>
 <p:sld xmlns:a="http://schemas.openxmlformats.org/drawingml/2006/main" xmlns:r="http://schemas.openxmlformats.org/officeDocument/2006/relationships" xmlns:p="http://schemas.openxmlformats.org/presentationml/2006/main">
   <p:cSld>
     <p:spTree>
@@ -29794,7 +30123,7 @@
             <a:fld id="{C05EE493-AD2E-4872-B2F6-8F12A747F0A5}" type="slidenum">
               <a:rPr lang="de-DE" smtClean="0"/>
               <a:pPr/>
-              <a:t>25</a:t>
+              <a:t>26</a:t>
             </a:fld>
             <a:endParaRPr lang="de-DE" dirty="0"/>
           </a:p>
@@ -31487,7 +31816,7 @@
 </p:sld>
 </file>
 
-<file path=ppt/slides/slide26.xml><?xml version="1.0" encoding="utf-8"?>
+<file path=ppt/slides/slide27.xml><?xml version="1.0" encoding="utf-8"?>
 <p:sld xmlns:a="http://schemas.openxmlformats.org/drawingml/2006/main" xmlns:r="http://schemas.openxmlformats.org/officeDocument/2006/relationships" xmlns:p="http://schemas.openxmlformats.org/presentationml/2006/main">
   <p:cSld>
     <p:spTree>
@@ -31618,7 +31947,7 @@
             <a:fld id="{C05EE493-AD2E-4872-B2F6-8F12A747F0A5}" type="slidenum">
               <a:rPr lang="de-DE" smtClean="0"/>
               <a:pPr/>
-              <a:t>26</a:t>
+              <a:t>27</a:t>
             </a:fld>
             <a:endParaRPr lang="de-DE" dirty="0"/>
           </a:p>
@@ -32910,7 +33239,7 @@
 </p:sld>
 </file>
 
-<file path=ppt/slides/slide27.xml><?xml version="1.0" encoding="utf-8"?>
+<file path=ppt/slides/slide28.xml><?xml version="1.0" encoding="utf-8"?>
 <p:sld xmlns:a="http://schemas.openxmlformats.org/drawingml/2006/main" xmlns:r="http://schemas.openxmlformats.org/officeDocument/2006/relationships" xmlns:p="http://schemas.openxmlformats.org/presentationml/2006/main">
   <p:cSld>
     <p:spTree>
@@ -33703,7 +34032,7 @@
             <a:fld id="{C05EE493-AD2E-4872-B2F6-8F12A747F0A5}" type="slidenum">
               <a:rPr lang="en-GB" noProof="0" smtClean="0"/>
               <a:pPr/>
-              <a:t>27</a:t>
+              <a:t>28</a:t>
             </a:fld>
             <a:endParaRPr lang="en-GB" noProof="0" dirty="0"/>
           </a:p>
@@ -37878,6 +38207,232 @@
           <a:chExt cx="0" cy="0"/>
         </a:xfrm>
       </p:grpSpPr>
+      <p:grpSp>
+        <p:nvGrpSpPr>
+          <p:cNvPr id="18" name="Groupe 17">
+            <a:extLst>
+              <a:ext uri="{FF2B5EF4-FFF2-40B4-BE49-F238E27FC236}">
+                <a16:creationId xmlns:a16="http://schemas.microsoft.com/office/drawing/2014/main" id="{5C88B4DA-6C1B-BCE0-9935-31D37E410DAE}"/>
+              </a:ext>
+            </a:extLst>
+          </p:cNvPr>
+          <p:cNvGrpSpPr/>
+          <p:nvPr/>
+        </p:nvGrpSpPr>
+        <p:grpSpPr>
+          <a:xfrm>
+            <a:off x="3935760" y="941967"/>
+            <a:ext cx="7896448" cy="3005134"/>
+            <a:chOff x="3863752" y="1916832"/>
+            <a:chExt cx="7896448" cy="3005134"/>
+          </a:xfrm>
+        </p:grpSpPr>
+        <p:pic>
+          <p:nvPicPr>
+            <p:cNvPr id="7" name="Image 6">
+              <a:extLst>
+                <a:ext uri="{FF2B5EF4-FFF2-40B4-BE49-F238E27FC236}">
+                  <a16:creationId xmlns:a16="http://schemas.microsoft.com/office/drawing/2014/main" id="{9741B03C-685B-844A-BD49-EC66F5C2E1D7}"/>
+                </a:ext>
+              </a:extLst>
+            </p:cNvPr>
+            <p:cNvPicPr>
+              <a:picLocks noChangeAspect="1"/>
+            </p:cNvPicPr>
+            <p:nvPr/>
+          </p:nvPicPr>
+          <p:blipFill>
+            <a:blip r:embed="rId2"/>
+            <a:stretch>
+              <a:fillRect/>
+            </a:stretch>
+          </p:blipFill>
+          <p:spPr>
+            <a:xfrm>
+              <a:off x="3863752" y="1916832"/>
+              <a:ext cx="7416824" cy="3005134"/>
+            </a:xfrm>
+            <a:prstGeom prst="rect">
+              <a:avLst/>
+            </a:prstGeom>
+          </p:spPr>
+        </p:pic>
+        <p:sp>
+          <p:nvSpPr>
+            <p:cNvPr id="13" name="ZoneTexte 12">
+              <a:extLst>
+                <a:ext uri="{FF2B5EF4-FFF2-40B4-BE49-F238E27FC236}">
+                  <a16:creationId xmlns:a16="http://schemas.microsoft.com/office/drawing/2014/main" id="{65AF4601-E430-0919-9C2E-762C0273CC62}"/>
+                </a:ext>
+              </a:extLst>
+            </p:cNvPr>
+            <p:cNvSpPr txBox="1"/>
+            <p:nvPr/>
+          </p:nvSpPr>
+          <p:spPr>
+            <a:xfrm>
+              <a:off x="8371856" y="2981415"/>
+              <a:ext cx="648072" cy="276999"/>
+            </a:xfrm>
+            <a:prstGeom prst="rect">
+              <a:avLst/>
+            </a:prstGeom>
+            <a:noFill/>
+          </p:spPr>
+          <p:txBody>
+            <a:bodyPr wrap="square" rtlCol="0">
+              <a:spAutoFit/>
+            </a:bodyPr>
+            <a:lstStyle/>
+            <a:p>
+              <a:r>
+                <a:rPr lang="en-GB" sz="1200" noProof="0" dirty="0"/>
+                <a:t>(1)</a:t>
+              </a:r>
+            </a:p>
+          </p:txBody>
+        </p:sp>
+        <p:sp>
+          <p:nvSpPr>
+            <p:cNvPr id="14" name="ZoneTexte 13">
+              <a:extLst>
+                <a:ext uri="{FF2B5EF4-FFF2-40B4-BE49-F238E27FC236}">
+                  <a16:creationId xmlns:a16="http://schemas.microsoft.com/office/drawing/2014/main" id="{EB750999-A312-4535-BA50-369A03059397}"/>
+                </a:ext>
+              </a:extLst>
+            </p:cNvPr>
+            <p:cNvSpPr txBox="1"/>
+            <p:nvPr/>
+          </p:nvSpPr>
+          <p:spPr>
+            <a:xfrm>
+              <a:off x="11112128" y="2415951"/>
+              <a:ext cx="648072" cy="276999"/>
+            </a:xfrm>
+            <a:prstGeom prst="rect">
+              <a:avLst/>
+            </a:prstGeom>
+            <a:noFill/>
+          </p:spPr>
+          <p:txBody>
+            <a:bodyPr wrap="square" rtlCol="0">
+              <a:spAutoFit/>
+            </a:bodyPr>
+            <a:lstStyle/>
+            <a:p>
+              <a:r>
+                <a:rPr lang="en-GB" sz="1200" noProof="0" dirty="0"/>
+                <a:t>(2)</a:t>
+              </a:r>
+            </a:p>
+          </p:txBody>
+        </p:sp>
+        <p:sp>
+          <p:nvSpPr>
+            <p:cNvPr id="15" name="ZoneTexte 14">
+              <a:extLst>
+                <a:ext uri="{FF2B5EF4-FFF2-40B4-BE49-F238E27FC236}">
+                  <a16:creationId xmlns:a16="http://schemas.microsoft.com/office/drawing/2014/main" id="{22E7874F-E558-3BEF-BC52-18EDA0356E4B}"/>
+                </a:ext>
+              </a:extLst>
+            </p:cNvPr>
+            <p:cNvSpPr txBox="1"/>
+            <p:nvPr/>
+          </p:nvSpPr>
+          <p:spPr>
+            <a:xfrm>
+              <a:off x="4726263" y="2928407"/>
+              <a:ext cx="648072" cy="276999"/>
+            </a:xfrm>
+            <a:prstGeom prst="rect">
+              <a:avLst/>
+            </a:prstGeom>
+            <a:noFill/>
+          </p:spPr>
+          <p:txBody>
+            <a:bodyPr wrap="square" rtlCol="0">
+              <a:spAutoFit/>
+            </a:bodyPr>
+            <a:lstStyle/>
+            <a:p>
+              <a:r>
+                <a:rPr lang="en-GB" sz="1200" noProof="0" dirty="0"/>
+                <a:t>(4)</a:t>
+              </a:r>
+            </a:p>
+          </p:txBody>
+        </p:sp>
+        <p:sp>
+          <p:nvSpPr>
+            <p:cNvPr id="16" name="ZoneTexte 15">
+              <a:extLst>
+                <a:ext uri="{FF2B5EF4-FFF2-40B4-BE49-F238E27FC236}">
+                  <a16:creationId xmlns:a16="http://schemas.microsoft.com/office/drawing/2014/main" id="{BC52B917-DFA2-145D-76B9-A7630264FEF9}"/>
+                </a:ext>
+              </a:extLst>
+            </p:cNvPr>
+            <p:cNvSpPr txBox="1"/>
+            <p:nvPr/>
+          </p:nvSpPr>
+          <p:spPr>
+            <a:xfrm>
+              <a:off x="8853287" y="3384285"/>
+              <a:ext cx="648072" cy="276999"/>
+            </a:xfrm>
+            <a:prstGeom prst="rect">
+              <a:avLst/>
+            </a:prstGeom>
+            <a:noFill/>
+          </p:spPr>
+          <p:txBody>
+            <a:bodyPr wrap="square" rtlCol="0">
+              <a:spAutoFit/>
+            </a:bodyPr>
+            <a:lstStyle/>
+            <a:p>
+              <a:r>
+                <a:rPr lang="en-GB" sz="1200" noProof="0" dirty="0"/>
+                <a:t>(5)</a:t>
+              </a:r>
+            </a:p>
+          </p:txBody>
+        </p:sp>
+        <p:sp>
+          <p:nvSpPr>
+            <p:cNvPr id="17" name="ZoneTexte 16">
+              <a:extLst>
+                <a:ext uri="{FF2B5EF4-FFF2-40B4-BE49-F238E27FC236}">
+                  <a16:creationId xmlns:a16="http://schemas.microsoft.com/office/drawing/2014/main" id="{436C3FE1-5D51-2C1C-5EC4-84A77D54220D}"/>
+                </a:ext>
+              </a:extLst>
+            </p:cNvPr>
+            <p:cNvSpPr txBox="1"/>
+            <p:nvPr/>
+          </p:nvSpPr>
+          <p:spPr>
+            <a:xfrm>
+              <a:off x="8381887" y="3374445"/>
+              <a:ext cx="648072" cy="276999"/>
+            </a:xfrm>
+            <a:prstGeom prst="rect">
+              <a:avLst/>
+            </a:prstGeom>
+            <a:noFill/>
+          </p:spPr>
+          <p:txBody>
+            <a:bodyPr wrap="square" rtlCol="0">
+              <a:spAutoFit/>
+            </a:bodyPr>
+            <a:lstStyle/>
+            <a:p>
+              <a:r>
+                <a:rPr lang="en-GB" sz="1200" noProof="0" dirty="0"/>
+                <a:t>(3)</a:t>
+              </a:r>
+            </a:p>
+          </p:txBody>
+        </p:sp>
+      </p:grpSp>
       <p:sp>
         <p:nvSpPr>
           <p:cNvPr id="2" name="Titre 1">
@@ -37906,8 +38461,8 @@
           </a:p>
         </p:txBody>
       </p:sp>
-      <mc:AlternateContent xmlns:mc="http://schemas.openxmlformats.org/markup-compatibility/2006" xmlns:a14="http://schemas.microsoft.com/office/drawing/2010/main">
-        <mc:Choice Requires="a14">
+      <mc:AlternateContent xmlns:mc="http://schemas.openxmlformats.org/markup-compatibility/2006">
+        <mc:Choice xmlns:a14="http://schemas.microsoft.com/office/drawing/2010/main" Requires="a14">
           <p:sp>
             <p:nvSpPr>
               <p:cNvPr id="3" name="Espace réservé du contenu 2">
@@ -37927,7 +38482,7 @@
             <p:spPr>
               <a:xfrm>
                 <a:off x="431800" y="1412776"/>
-                <a:ext cx="3431952" cy="4766062"/>
+                <a:ext cx="3647976" cy="4766062"/>
               </a:xfrm>
             </p:spPr>
             <p:txBody>
@@ -38009,7 +38564,7 @@
                       <a:schemeClr val="tx1"/>
                     </a:solidFill>
                   </a:rPr>
-                  <a:t> is incident on the SC, it enters the SC. It binds with another electron from the N (3) of opposite spin into a Cooper-pair (4). This leads to the reflection of a hole (5) of opposite velocity and opposite spin relative to (1).</a:t>
+                  <a:t> is incident on the SC, it can not propagate as a single particle in the SC. It binds with another electron from the N (3) of opposite spin into a Cooper-pair (4). This leads to the reflection of a hole (5) of opposite velocity and opposite spin relative to (1).</a:t>
                 </a:r>
               </a:p>
               <a:p>
@@ -38056,7 +38611,7 @@
             </p:txBody>
           </p:sp>
         </mc:Choice>
-        <mc:Fallback xmlns="">
+        <mc:Fallback>
           <p:sp>
             <p:nvSpPr>
               <p:cNvPr id="3" name="Espace réservé du contenu 2">
@@ -38076,12 +38631,12 @@
             <p:spPr>
               <a:xfrm>
                 <a:off x="431800" y="1412776"/>
-                <a:ext cx="3431952" cy="4766062"/>
+                <a:ext cx="3647976" cy="4766062"/>
               </a:xfrm>
               <a:blipFill>
-                <a:blip r:embed="rId2"/>
+                <a:blip r:embed="rId3"/>
                 <a:stretch>
-                  <a:fillRect l="-3730" t="-1279" r="-3908"/>
+                  <a:fillRect l="-3512" t="-1279" r="-4181"/>
                 </a:stretch>
               </a:blipFill>
             </p:spPr>
@@ -38758,232 +39313,6 @@
           </a:p>
         </p:txBody>
       </p:sp>
-      <p:grpSp>
-        <p:nvGrpSpPr>
-          <p:cNvPr id="18" name="Groupe 17">
-            <a:extLst>
-              <a:ext uri="{FF2B5EF4-FFF2-40B4-BE49-F238E27FC236}">
-                <a16:creationId xmlns:a16="http://schemas.microsoft.com/office/drawing/2014/main" id="{5C88B4DA-6C1B-BCE0-9935-31D37E410DAE}"/>
-              </a:ext>
-            </a:extLst>
-          </p:cNvPr>
-          <p:cNvGrpSpPr/>
-          <p:nvPr/>
-        </p:nvGrpSpPr>
-        <p:grpSpPr>
-          <a:xfrm>
-            <a:off x="3848544" y="941967"/>
-            <a:ext cx="7896448" cy="3005134"/>
-            <a:chOff x="3863752" y="1916832"/>
-            <a:chExt cx="7896448" cy="3005134"/>
-          </a:xfrm>
-        </p:grpSpPr>
-        <p:pic>
-          <p:nvPicPr>
-            <p:cNvPr id="7" name="Image 6">
-              <a:extLst>
-                <a:ext uri="{FF2B5EF4-FFF2-40B4-BE49-F238E27FC236}">
-                  <a16:creationId xmlns:a16="http://schemas.microsoft.com/office/drawing/2014/main" id="{9741B03C-685B-844A-BD49-EC66F5C2E1D7}"/>
-                </a:ext>
-              </a:extLst>
-            </p:cNvPr>
-            <p:cNvPicPr>
-              <a:picLocks noChangeAspect="1"/>
-            </p:cNvPicPr>
-            <p:nvPr/>
-          </p:nvPicPr>
-          <p:blipFill>
-            <a:blip r:embed="rId3"/>
-            <a:stretch>
-              <a:fillRect/>
-            </a:stretch>
-          </p:blipFill>
-          <p:spPr>
-            <a:xfrm>
-              <a:off x="3863752" y="1916832"/>
-              <a:ext cx="7416824" cy="3005134"/>
-            </a:xfrm>
-            <a:prstGeom prst="rect">
-              <a:avLst/>
-            </a:prstGeom>
-          </p:spPr>
-        </p:pic>
-        <p:sp>
-          <p:nvSpPr>
-            <p:cNvPr id="13" name="ZoneTexte 12">
-              <a:extLst>
-                <a:ext uri="{FF2B5EF4-FFF2-40B4-BE49-F238E27FC236}">
-                  <a16:creationId xmlns:a16="http://schemas.microsoft.com/office/drawing/2014/main" id="{65AF4601-E430-0919-9C2E-762C0273CC62}"/>
-                </a:ext>
-              </a:extLst>
-            </p:cNvPr>
-            <p:cNvSpPr txBox="1"/>
-            <p:nvPr/>
-          </p:nvSpPr>
-          <p:spPr>
-            <a:xfrm>
-              <a:off x="8371856" y="2981415"/>
-              <a:ext cx="648072" cy="276999"/>
-            </a:xfrm>
-            <a:prstGeom prst="rect">
-              <a:avLst/>
-            </a:prstGeom>
-            <a:noFill/>
-          </p:spPr>
-          <p:txBody>
-            <a:bodyPr wrap="square" rtlCol="0">
-              <a:spAutoFit/>
-            </a:bodyPr>
-            <a:lstStyle/>
-            <a:p>
-              <a:r>
-                <a:rPr lang="en-GB" sz="1200" noProof="0" dirty="0"/>
-                <a:t>(1)</a:t>
-              </a:r>
-            </a:p>
-          </p:txBody>
-        </p:sp>
-        <p:sp>
-          <p:nvSpPr>
-            <p:cNvPr id="14" name="ZoneTexte 13">
-              <a:extLst>
-                <a:ext uri="{FF2B5EF4-FFF2-40B4-BE49-F238E27FC236}">
-                  <a16:creationId xmlns:a16="http://schemas.microsoft.com/office/drawing/2014/main" id="{EB750999-A312-4535-BA50-369A03059397}"/>
-                </a:ext>
-              </a:extLst>
-            </p:cNvPr>
-            <p:cNvSpPr txBox="1"/>
-            <p:nvPr/>
-          </p:nvSpPr>
-          <p:spPr>
-            <a:xfrm>
-              <a:off x="11112128" y="2415951"/>
-              <a:ext cx="648072" cy="276999"/>
-            </a:xfrm>
-            <a:prstGeom prst="rect">
-              <a:avLst/>
-            </a:prstGeom>
-            <a:noFill/>
-          </p:spPr>
-          <p:txBody>
-            <a:bodyPr wrap="square" rtlCol="0">
-              <a:spAutoFit/>
-            </a:bodyPr>
-            <a:lstStyle/>
-            <a:p>
-              <a:r>
-                <a:rPr lang="en-GB" sz="1200" noProof="0" dirty="0"/>
-                <a:t>(2)</a:t>
-              </a:r>
-            </a:p>
-          </p:txBody>
-        </p:sp>
-        <p:sp>
-          <p:nvSpPr>
-            <p:cNvPr id="15" name="ZoneTexte 14">
-              <a:extLst>
-                <a:ext uri="{FF2B5EF4-FFF2-40B4-BE49-F238E27FC236}">
-                  <a16:creationId xmlns:a16="http://schemas.microsoft.com/office/drawing/2014/main" id="{22E7874F-E558-3BEF-BC52-18EDA0356E4B}"/>
-                </a:ext>
-              </a:extLst>
-            </p:cNvPr>
-            <p:cNvSpPr txBox="1"/>
-            <p:nvPr/>
-          </p:nvSpPr>
-          <p:spPr>
-            <a:xfrm>
-              <a:off x="4726263" y="2928407"/>
-              <a:ext cx="648072" cy="276999"/>
-            </a:xfrm>
-            <a:prstGeom prst="rect">
-              <a:avLst/>
-            </a:prstGeom>
-            <a:noFill/>
-          </p:spPr>
-          <p:txBody>
-            <a:bodyPr wrap="square" rtlCol="0">
-              <a:spAutoFit/>
-            </a:bodyPr>
-            <a:lstStyle/>
-            <a:p>
-              <a:r>
-                <a:rPr lang="en-GB" sz="1200" noProof="0" dirty="0"/>
-                <a:t>(4)</a:t>
-              </a:r>
-            </a:p>
-          </p:txBody>
-        </p:sp>
-        <p:sp>
-          <p:nvSpPr>
-            <p:cNvPr id="16" name="ZoneTexte 15">
-              <a:extLst>
-                <a:ext uri="{FF2B5EF4-FFF2-40B4-BE49-F238E27FC236}">
-                  <a16:creationId xmlns:a16="http://schemas.microsoft.com/office/drawing/2014/main" id="{BC52B917-DFA2-145D-76B9-A7630264FEF9}"/>
-                </a:ext>
-              </a:extLst>
-            </p:cNvPr>
-            <p:cNvSpPr txBox="1"/>
-            <p:nvPr/>
-          </p:nvSpPr>
-          <p:spPr>
-            <a:xfrm>
-              <a:off x="8853287" y="3384285"/>
-              <a:ext cx="648072" cy="276999"/>
-            </a:xfrm>
-            <a:prstGeom prst="rect">
-              <a:avLst/>
-            </a:prstGeom>
-            <a:noFill/>
-          </p:spPr>
-          <p:txBody>
-            <a:bodyPr wrap="square" rtlCol="0">
-              <a:spAutoFit/>
-            </a:bodyPr>
-            <a:lstStyle/>
-            <a:p>
-              <a:r>
-                <a:rPr lang="en-GB" sz="1200" noProof="0" dirty="0"/>
-                <a:t>(5)</a:t>
-              </a:r>
-            </a:p>
-          </p:txBody>
-        </p:sp>
-        <p:sp>
-          <p:nvSpPr>
-            <p:cNvPr id="17" name="ZoneTexte 16">
-              <a:extLst>
-                <a:ext uri="{FF2B5EF4-FFF2-40B4-BE49-F238E27FC236}">
-                  <a16:creationId xmlns:a16="http://schemas.microsoft.com/office/drawing/2014/main" id="{436C3FE1-5D51-2C1C-5EC4-84A77D54220D}"/>
-                </a:ext>
-              </a:extLst>
-            </p:cNvPr>
-            <p:cNvSpPr txBox="1"/>
-            <p:nvPr/>
-          </p:nvSpPr>
-          <p:spPr>
-            <a:xfrm>
-              <a:off x="8381887" y="3374445"/>
-              <a:ext cx="648072" cy="276999"/>
-            </a:xfrm>
-            <a:prstGeom prst="rect">
-              <a:avLst/>
-            </a:prstGeom>
-            <a:noFill/>
-          </p:spPr>
-          <p:txBody>
-            <a:bodyPr wrap="square" rtlCol="0">
-              <a:spAutoFit/>
-            </a:bodyPr>
-            <a:lstStyle/>
-            <a:p>
-              <a:r>
-                <a:rPr lang="en-GB" sz="1200" noProof="0" dirty="0"/>
-                <a:t>(3)</a:t>
-              </a:r>
-            </a:p>
-          </p:txBody>
-        </p:sp>
-      </p:grpSp>
       <p:sp>
         <p:nvSpPr>
           <p:cNvPr id="19" name="ZoneTexte 18">
@@ -40909,7 +41238,7 @@
                   <a:schemeClr val="tx1"/>
                 </a:solidFill>
               </a:rPr>
-              <a:t>Like the FM: anomalous Hall effect, spin current, tunnelling magneto- resistance. </a:t>
+              <a:t>Like the FM: spin polarization. anomalous Hall effect, spin current, tunnelling magneto- resistance. </a:t>
             </a:r>
           </a:p>
           <a:p>
